--- a/doc/algorithm_improvements.pptx
+++ b/doc/algorithm_improvements.pptx
@@ -289,14 +289,14 @@
           <a:effectLst/>
           <a:extLst>
             <a:ext uri="{909E8E84-426E-40dd-AFC4-6F175D3DCCD1}">
-              <a14:hiddenFill xmlns="" xmlns:a14="http://schemas.microsoft.com/office/drawing/2010/main">
+              <a14:hiddenFill xmlns:a14="http://schemas.microsoft.com/office/drawing/2010/main" xmlns="">
                 <a:solidFill>
                   <a:schemeClr val="accent1"/>
                 </a:solidFill>
               </a14:hiddenFill>
             </a:ext>
             <a:ext uri="{91240B29-F687-4f45-9708-019B960494DF}">
-              <a14:hiddenLine xmlns="" xmlns:a14="http://schemas.microsoft.com/office/drawing/2010/main" w="9525">
+              <a14:hiddenLine xmlns:a14="http://schemas.microsoft.com/office/drawing/2010/main" xmlns="" w="9525">
                 <a:solidFill>
                   <a:schemeClr val="tx1"/>
                 </a:solidFill>
@@ -306,7 +306,7 @@
               </a14:hiddenLine>
             </a:ext>
             <a:ext uri="{AF507438-7753-43e0-B8FC-AC1667EBCBE1}">
-              <a14:hiddenEffects xmlns="" xmlns:a14="http://schemas.microsoft.com/office/drawing/2010/main">
+              <a14:hiddenEffects xmlns:a14="http://schemas.microsoft.com/office/drawing/2010/main" xmlns="">
                 <a:effectLst>
                   <a:outerShdw dist="35921" dir="2700000" algn="ctr" rotWithShape="0">
                     <a:schemeClr val="bg2"/>
@@ -357,14 +357,14 @@
           <a:effectLst/>
           <a:extLst>
             <a:ext uri="{909E8E84-426E-40dd-AFC4-6F175D3DCCD1}">
-              <a14:hiddenFill xmlns="" xmlns:a14="http://schemas.microsoft.com/office/drawing/2010/main">
+              <a14:hiddenFill xmlns:a14="http://schemas.microsoft.com/office/drawing/2010/main" xmlns="">
                 <a:solidFill>
                   <a:schemeClr val="accent1"/>
                 </a:solidFill>
               </a14:hiddenFill>
             </a:ext>
             <a:ext uri="{91240B29-F687-4f45-9708-019B960494DF}">
-              <a14:hiddenLine xmlns="" xmlns:a14="http://schemas.microsoft.com/office/drawing/2010/main" w="9525">
+              <a14:hiddenLine xmlns:a14="http://schemas.microsoft.com/office/drawing/2010/main" xmlns="" w="9525">
                 <a:solidFill>
                   <a:schemeClr val="tx1"/>
                 </a:solidFill>
@@ -374,7 +374,7 @@
               </a14:hiddenLine>
             </a:ext>
             <a:ext uri="{AF507438-7753-43e0-B8FC-AC1667EBCBE1}">
-              <a14:hiddenEffects xmlns="" xmlns:a14="http://schemas.microsoft.com/office/drawing/2010/main">
+              <a14:hiddenEffects xmlns:a14="http://schemas.microsoft.com/office/drawing/2010/main" xmlns="">
                 <a:effectLst>
                   <a:outerShdw dist="35921" dir="2700000" algn="ctr" rotWithShape="0">
                     <a:schemeClr val="bg2"/>
@@ -430,7 +430,7 @@
           <a:effectLst/>
           <a:extLst>
             <a:ext uri="{AF507438-7753-43e0-B8FC-AC1667EBCBE1}">
-              <a14:hiddenEffects xmlns="" xmlns:a14="http://schemas.microsoft.com/office/drawing/2010/main">
+              <a14:hiddenEffects xmlns:a14="http://schemas.microsoft.com/office/drawing/2010/main" xmlns="">
                 <a:effectLst>
                   <a:outerShdw dist="35921" dir="2700000" algn="ctr" rotWithShape="0">
                     <a:srgbClr val="808080"/>
@@ -439,7 +439,7 @@
               </a14:hiddenEffects>
             </a:ext>
             <a:ext uri="{53640926-AAD7-44d8-BBD7-CCE9431645EC}">
-              <a14:shadowObscured xmlns="" xmlns:a14="http://schemas.microsoft.com/office/drawing/2010/main" val="1"/>
+              <a14:shadowObscured xmlns:a14="http://schemas.microsoft.com/office/drawing/2010/main" xmlns="" val="1"/>
             </a:ext>
           </a:extLst>
         </p:spPr>
@@ -469,14 +469,14 @@
           <a:effectLst/>
           <a:extLst>
             <a:ext uri="{909E8E84-426E-40dd-AFC4-6F175D3DCCD1}">
-              <a14:hiddenFill xmlns="" xmlns:a14="http://schemas.microsoft.com/office/drawing/2010/main">
+              <a14:hiddenFill xmlns:a14="http://schemas.microsoft.com/office/drawing/2010/main" xmlns="">
                 <a:solidFill>
                   <a:schemeClr val="accent1"/>
                 </a:solidFill>
               </a14:hiddenFill>
             </a:ext>
             <a:ext uri="{91240B29-F687-4f45-9708-019B960494DF}">
-              <a14:hiddenLine xmlns="" xmlns:a14="http://schemas.microsoft.com/office/drawing/2010/main" w="9525">
+              <a14:hiddenLine xmlns:a14="http://schemas.microsoft.com/office/drawing/2010/main" xmlns="" w="9525">
                 <a:solidFill>
                   <a:schemeClr val="tx1"/>
                 </a:solidFill>
@@ -486,7 +486,7 @@
               </a14:hiddenLine>
             </a:ext>
             <a:ext uri="{AF507438-7753-43e0-B8FC-AC1667EBCBE1}">
-              <a14:hiddenEffects xmlns="" xmlns:a14="http://schemas.microsoft.com/office/drawing/2010/main">
+              <a14:hiddenEffects xmlns:a14="http://schemas.microsoft.com/office/drawing/2010/main" xmlns="">
                 <a:effectLst>
                   <a:outerShdw dist="35921" dir="2700000" algn="ctr" rotWithShape="0">
                     <a:schemeClr val="bg2"/>
@@ -565,14 +565,14 @@
           <a:effectLst/>
           <a:extLst>
             <a:ext uri="{909E8E84-426E-40dd-AFC4-6F175D3DCCD1}">
-              <a14:hiddenFill xmlns="" xmlns:a14="http://schemas.microsoft.com/office/drawing/2010/main">
+              <a14:hiddenFill xmlns:a14="http://schemas.microsoft.com/office/drawing/2010/main" xmlns="">
                 <a:solidFill>
                   <a:schemeClr val="accent1"/>
                 </a:solidFill>
               </a14:hiddenFill>
             </a:ext>
             <a:ext uri="{91240B29-F687-4f45-9708-019B960494DF}">
-              <a14:hiddenLine xmlns="" xmlns:a14="http://schemas.microsoft.com/office/drawing/2010/main" w="9525">
+              <a14:hiddenLine xmlns:a14="http://schemas.microsoft.com/office/drawing/2010/main" xmlns="" w="9525">
                 <a:solidFill>
                   <a:schemeClr val="tx1"/>
                 </a:solidFill>
@@ -582,7 +582,7 @@
               </a14:hiddenLine>
             </a:ext>
             <a:ext uri="{AF507438-7753-43e0-B8FC-AC1667EBCBE1}">
-              <a14:hiddenEffects xmlns="" xmlns:a14="http://schemas.microsoft.com/office/drawing/2010/main">
+              <a14:hiddenEffects xmlns:a14="http://schemas.microsoft.com/office/drawing/2010/main" xmlns="">
                 <a:effectLst>
                   <a:outerShdw dist="35921" dir="2700000" algn="ctr" rotWithShape="0">
                     <a:schemeClr val="bg2"/>
@@ -633,14 +633,14 @@
           <a:effectLst/>
           <a:extLst>
             <a:ext uri="{909E8E84-426E-40dd-AFC4-6F175D3DCCD1}">
-              <a14:hiddenFill xmlns="" xmlns:a14="http://schemas.microsoft.com/office/drawing/2010/main">
+              <a14:hiddenFill xmlns:a14="http://schemas.microsoft.com/office/drawing/2010/main" xmlns="">
                 <a:solidFill>
                   <a:schemeClr val="accent1"/>
                 </a:solidFill>
               </a14:hiddenFill>
             </a:ext>
             <a:ext uri="{91240B29-F687-4f45-9708-019B960494DF}">
-              <a14:hiddenLine xmlns="" xmlns:a14="http://schemas.microsoft.com/office/drawing/2010/main" w="9525">
+              <a14:hiddenLine xmlns:a14="http://schemas.microsoft.com/office/drawing/2010/main" xmlns="" w="9525">
                 <a:solidFill>
                   <a:schemeClr val="tx1"/>
                 </a:solidFill>
@@ -650,7 +650,7 @@
               </a14:hiddenLine>
             </a:ext>
             <a:ext uri="{AF507438-7753-43e0-B8FC-AC1667EBCBE1}">
-              <a14:hiddenEffects xmlns="" xmlns:a14="http://schemas.microsoft.com/office/drawing/2010/main">
+              <a14:hiddenEffects xmlns:a14="http://schemas.microsoft.com/office/drawing/2010/main" xmlns="">
                 <a:effectLst>
                   <a:outerShdw dist="35921" dir="2700000" algn="ctr" rotWithShape="0">
                     <a:schemeClr val="bg2"/>
@@ -4168,14 +4168,14 @@
           <a:effectLst/>
           <a:extLst>
             <a:ext uri="{909E8E84-426E-40dd-AFC4-6F175D3DCCD1}">
-              <a14:hiddenFill xmlns="" xmlns:a14="http://schemas.microsoft.com/office/drawing/2010/main">
+              <a14:hiddenFill xmlns:a14="http://schemas.microsoft.com/office/drawing/2010/main" xmlns="">
                 <a:solidFill>
                   <a:schemeClr val="accent1"/>
                 </a:solidFill>
               </a14:hiddenFill>
             </a:ext>
             <a:ext uri="{91240B29-F687-4f45-9708-019B960494DF}">
-              <a14:hiddenLine xmlns="" xmlns:a14="http://schemas.microsoft.com/office/drawing/2010/main" w="9525">
+              <a14:hiddenLine xmlns:a14="http://schemas.microsoft.com/office/drawing/2010/main" xmlns="" w="9525">
                 <a:solidFill>
                   <a:schemeClr val="tx1"/>
                 </a:solidFill>
@@ -4185,7 +4185,7 @@
               </a14:hiddenLine>
             </a:ext>
             <a:ext uri="{AF507438-7753-43e0-B8FC-AC1667EBCBE1}">
-              <a14:hiddenEffects xmlns="" xmlns:a14="http://schemas.microsoft.com/office/drawing/2010/main">
+              <a14:hiddenEffects xmlns:a14="http://schemas.microsoft.com/office/drawing/2010/main" xmlns="">
                 <a:effectLst>
                   <a:outerShdw dist="35921" dir="2700000" algn="ctr" rotWithShape="0">
                     <a:schemeClr val="bg2"/>
@@ -4236,14 +4236,14 @@
           <a:effectLst/>
           <a:extLst>
             <a:ext uri="{909E8E84-426E-40dd-AFC4-6F175D3DCCD1}">
-              <a14:hiddenFill xmlns="" xmlns:a14="http://schemas.microsoft.com/office/drawing/2010/main">
+              <a14:hiddenFill xmlns:a14="http://schemas.microsoft.com/office/drawing/2010/main" xmlns="">
                 <a:solidFill>
                   <a:schemeClr val="accent1"/>
                 </a:solidFill>
               </a14:hiddenFill>
             </a:ext>
             <a:ext uri="{91240B29-F687-4f45-9708-019B960494DF}">
-              <a14:hiddenLine xmlns="" xmlns:a14="http://schemas.microsoft.com/office/drawing/2010/main" w="9525">
+              <a14:hiddenLine xmlns:a14="http://schemas.microsoft.com/office/drawing/2010/main" xmlns="" w="9525">
                 <a:solidFill>
                   <a:schemeClr val="tx1"/>
                 </a:solidFill>
@@ -4253,7 +4253,7 @@
               </a14:hiddenLine>
             </a:ext>
             <a:ext uri="{AF507438-7753-43e0-B8FC-AC1667EBCBE1}">
-              <a14:hiddenEffects xmlns="" xmlns:a14="http://schemas.microsoft.com/office/drawing/2010/main">
+              <a14:hiddenEffects xmlns:a14="http://schemas.microsoft.com/office/drawing/2010/main" xmlns="">
                 <a:effectLst>
                   <a:outerShdw dist="35921" dir="2700000" algn="ctr" rotWithShape="0">
                     <a:schemeClr val="bg2"/>
@@ -4332,14 +4332,14 @@
           <a:effectLst/>
           <a:extLst>
             <a:ext uri="{909E8E84-426E-40dd-AFC4-6F175D3DCCD1}">
-              <a14:hiddenFill xmlns="" xmlns:a14="http://schemas.microsoft.com/office/drawing/2010/main">
+              <a14:hiddenFill xmlns:a14="http://schemas.microsoft.com/office/drawing/2010/main" xmlns="">
                 <a:solidFill>
                   <a:schemeClr val="accent1"/>
                 </a:solidFill>
               </a14:hiddenFill>
             </a:ext>
             <a:ext uri="{91240B29-F687-4f45-9708-019B960494DF}">
-              <a14:hiddenLine xmlns="" xmlns:a14="http://schemas.microsoft.com/office/drawing/2010/main" w="9525">
+              <a14:hiddenLine xmlns:a14="http://schemas.microsoft.com/office/drawing/2010/main" xmlns="" w="9525">
                 <a:solidFill>
                   <a:schemeClr val="tx1"/>
                 </a:solidFill>
@@ -4349,7 +4349,7 @@
               </a14:hiddenLine>
             </a:ext>
             <a:ext uri="{AF507438-7753-43e0-B8FC-AC1667EBCBE1}">
-              <a14:hiddenEffects xmlns="" xmlns:a14="http://schemas.microsoft.com/office/drawing/2010/main">
+              <a14:hiddenEffects xmlns:a14="http://schemas.microsoft.com/office/drawing/2010/main" xmlns="">
                 <a:effectLst>
                   <a:outerShdw dist="35921" dir="2700000" algn="ctr" rotWithShape="0">
                     <a:schemeClr val="bg2"/>
@@ -4411,14 +4411,14 @@
           <a:effectLst/>
           <a:extLst>
             <a:ext uri="{909E8E84-426E-40dd-AFC4-6F175D3DCCD1}">
-              <a14:hiddenFill xmlns="" xmlns:a14="http://schemas.microsoft.com/office/drawing/2010/main">
+              <a14:hiddenFill xmlns:a14="http://schemas.microsoft.com/office/drawing/2010/main" xmlns="">
                 <a:solidFill>
                   <a:schemeClr val="accent1"/>
                 </a:solidFill>
               </a14:hiddenFill>
             </a:ext>
             <a:ext uri="{91240B29-F687-4f45-9708-019B960494DF}">
-              <a14:hiddenLine xmlns="" xmlns:a14="http://schemas.microsoft.com/office/drawing/2010/main" w="9525" algn="ctr">
+              <a14:hiddenLine xmlns:a14="http://schemas.microsoft.com/office/drawing/2010/main" xmlns="" w="9525" algn="ctr">
                 <a:solidFill>
                   <a:schemeClr val="tx1"/>
                 </a:solidFill>
@@ -4428,7 +4428,7 @@
               </a14:hiddenLine>
             </a:ext>
             <a:ext uri="{AF507438-7753-43e0-B8FC-AC1667EBCBE1}">
-              <a14:hiddenEffects xmlns="" xmlns:a14="http://schemas.microsoft.com/office/drawing/2010/main">
+              <a14:hiddenEffects xmlns:a14="http://schemas.microsoft.com/office/drawing/2010/main" xmlns="">
                 <a:effectLst>
                   <a:outerShdw dist="35921" dir="2700000" algn="ctr" rotWithShape="0">
                     <a:schemeClr val="bg2"/>
@@ -4573,7 +4573,7 @@
             </a:r>
             <a:r>
               <a:rPr lang="de-DE" sz="1000" dirty="0"/>
-              <a:t> Birds   24.10.2023</a:t>
+              <a:t> Birds   19.12.2023</a:t>
             </a:r>
           </a:p>
         </p:txBody>
@@ -4606,12 +4606,12 @@
           <a:effectLst/>
           <a:extLst>
             <a:ext uri="{909E8E84-426E-40dd-AFC4-6F175D3DCCD1}">
-              <a14:hiddenFill xmlns="" xmlns:a14="http://schemas.microsoft.com/office/drawing/2010/main">
+              <a14:hiddenFill xmlns:a14="http://schemas.microsoft.com/office/drawing/2010/main" xmlns="">
                 <a:noFill/>
               </a14:hiddenFill>
             </a:ext>
             <a:ext uri="{AF507438-7753-43e0-B8FC-AC1667EBCBE1}">
-              <a14:hiddenEffects xmlns="" xmlns:a14="http://schemas.microsoft.com/office/drawing/2010/main">
+              <a14:hiddenEffects xmlns:a14="http://schemas.microsoft.com/office/drawing/2010/main" xmlns="">
                 <a:effectLst>
                   <a:outerShdw dist="35921" dir="2700000" algn="ctr" rotWithShape="0">
                     <a:schemeClr val="bg2"/>
@@ -5171,14 +5171,14 @@
           <a:effectLst/>
           <a:extLst>
             <a:ext uri="{909E8E84-426E-40dd-AFC4-6F175D3DCCD1}">
-              <a14:hiddenFill xmlns="" xmlns:a14="http://schemas.microsoft.com/office/drawing/2010/main">
+              <a14:hiddenFill xmlns:a14="http://schemas.microsoft.com/office/drawing/2010/main" xmlns="">
                 <a:solidFill>
                   <a:schemeClr val="accent1"/>
                 </a:solidFill>
               </a14:hiddenFill>
             </a:ext>
             <a:ext uri="{91240B29-F687-4f45-9708-019B960494DF}">
-              <a14:hiddenLine xmlns="" xmlns:a14="http://schemas.microsoft.com/office/drawing/2010/main" w="9525" algn="ctr">
+              <a14:hiddenLine xmlns:a14="http://schemas.microsoft.com/office/drawing/2010/main" xmlns="" w="9525" algn="ctr">
                 <a:solidFill>
                   <a:schemeClr val="tx1"/>
                 </a:solidFill>
@@ -5188,7 +5188,7 @@
               </a14:hiddenLine>
             </a:ext>
             <a:ext uri="{AF507438-7753-43e0-B8FC-AC1667EBCBE1}">
-              <a14:hiddenEffects xmlns="" xmlns:a14="http://schemas.microsoft.com/office/drawing/2010/main">
+              <a14:hiddenEffects xmlns:a14="http://schemas.microsoft.com/office/drawing/2010/main" xmlns="">
                 <a:effectLst>
                   <a:outerShdw dist="35921" dir="2700000" algn="ctr" rotWithShape="0">
                     <a:schemeClr val="bg2"/>
@@ -5309,7 +5309,7 @@
             </a:r>
             <a:r>
               <a:rPr lang="de-DE" sz="1000" dirty="0"/>
-              <a:t>, 24.10.2023</a:t>
+              <a:t>, 19.12.2023</a:t>
             </a:r>
           </a:p>
         </p:txBody>
@@ -6686,14 +6686,14 @@
           <a:effectLst/>
           <a:extLst>
             <a:ext uri="{909E8E84-426E-40dd-AFC4-6F175D3DCCD1}">
-              <a14:hiddenFill xmlns="" xmlns:a14="http://schemas.microsoft.com/office/drawing/2010/main">
+              <a14:hiddenFill xmlns:a14="http://schemas.microsoft.com/office/drawing/2010/main" xmlns="">
                 <a:solidFill>
                   <a:schemeClr val="accent1"/>
                 </a:solidFill>
               </a14:hiddenFill>
             </a:ext>
             <a:ext uri="{91240B29-F687-4f45-9708-019B960494DF}">
-              <a14:hiddenLine xmlns="" xmlns:a14="http://schemas.microsoft.com/office/drawing/2010/main" w="9525">
+              <a14:hiddenLine xmlns:a14="http://schemas.microsoft.com/office/drawing/2010/main" xmlns="" w="9525">
                 <a:solidFill>
                   <a:schemeClr val="tx1"/>
                 </a:solidFill>
@@ -6703,7 +6703,7 @@
               </a14:hiddenLine>
             </a:ext>
             <a:ext uri="{AF507438-7753-43e0-B8FC-AC1667EBCBE1}">
-              <a14:hiddenEffects xmlns="" xmlns:a14="http://schemas.microsoft.com/office/drawing/2010/main">
+              <a14:hiddenEffects xmlns:a14="http://schemas.microsoft.com/office/drawing/2010/main" xmlns="">
                 <a:effectLst>
                   <a:outerShdw dist="35921" dir="2700000" algn="ctr" rotWithShape="0">
                     <a:schemeClr val="bg2"/>
@@ -7010,7 +7010,7 @@
           </a:ln>
           <a:extLst>
             <a:ext uri="{AF507438-7753-43e0-B8FC-AC1667EBCBE1}">
-              <a14:hiddenEffects xmlns:a14="http://schemas.microsoft.com/office/drawing/2010/main" xmlns="">
+              <a14:hiddenEffects xmlns="" xmlns:a14="http://schemas.microsoft.com/office/drawing/2010/main">
                 <a:effectLst>
                   <a:outerShdw dist="35921" dir="2700000" algn="ctr" rotWithShape="0">
                     <a:schemeClr val="bg2"/>
@@ -7097,7 +7097,7 @@
           </a:ln>
           <a:extLst>
             <a:ext uri="{AF507438-7753-43e0-B8FC-AC1667EBCBE1}">
-              <a14:hiddenEffects xmlns:a14="http://schemas.microsoft.com/office/drawing/2010/main" xmlns="">
+              <a14:hiddenEffects xmlns="" xmlns:a14="http://schemas.microsoft.com/office/drawing/2010/main">
                 <a:effectLst>
                   <a:outerShdw dist="35921" dir="2700000" algn="ctr" rotWithShape="0">
                     <a:schemeClr val="bg2"/>
@@ -7184,7 +7184,7 @@
           </a:ln>
           <a:extLst>
             <a:ext uri="{AF507438-7753-43e0-B8FC-AC1667EBCBE1}">
-              <a14:hiddenEffects xmlns:a14="http://schemas.microsoft.com/office/drawing/2010/main" xmlns="">
+              <a14:hiddenEffects xmlns="" xmlns:a14="http://schemas.microsoft.com/office/drawing/2010/main">
                 <a:effectLst>
                   <a:outerShdw dist="35921" dir="2700000" algn="ctr" rotWithShape="0">
                     <a:schemeClr val="bg2"/>
@@ -7276,7 +7276,7 @@
           </a:ln>
           <a:extLst>
             <a:ext uri="{AF507438-7753-43e0-B8FC-AC1667EBCBE1}">
-              <a14:hiddenEffects xmlns:a14="http://schemas.microsoft.com/office/drawing/2010/main" xmlns="">
+              <a14:hiddenEffects xmlns="" xmlns:a14="http://schemas.microsoft.com/office/drawing/2010/main">
                 <a:effectLst>
                   <a:outerShdw dist="35921" dir="2700000" algn="ctr" rotWithShape="0">
                     <a:schemeClr val="bg2"/>
@@ -7485,7 +7485,7 @@
           </a:ln>
           <a:extLst>
             <a:ext uri="{AF507438-7753-43e0-B8FC-AC1667EBCBE1}">
-              <a14:hiddenEffects xmlns:a14="http://schemas.microsoft.com/office/drawing/2010/main" xmlns="">
+              <a14:hiddenEffects xmlns="" xmlns:a14="http://schemas.microsoft.com/office/drawing/2010/main">
                 <a:effectLst>
                   <a:outerShdw dist="35921" dir="2700000" algn="ctr" rotWithShape="0">
                     <a:schemeClr val="bg2"/>
@@ -7577,7 +7577,7 @@
           </a:ln>
           <a:extLst>
             <a:ext uri="{AF507438-7753-43e0-B8FC-AC1667EBCBE1}">
-              <a14:hiddenEffects xmlns:a14="http://schemas.microsoft.com/office/drawing/2010/main" xmlns="">
+              <a14:hiddenEffects xmlns="" xmlns:a14="http://schemas.microsoft.com/office/drawing/2010/main">
                 <a:effectLst>
                   <a:outerShdw dist="35921" dir="2700000" algn="ctr" rotWithShape="0">
                     <a:schemeClr val="bg2"/>
@@ -7669,7 +7669,7 @@
           </a:ln>
           <a:extLst>
             <a:ext uri="{AF507438-7753-43e0-B8FC-AC1667EBCBE1}">
-              <a14:hiddenEffects xmlns:a14="http://schemas.microsoft.com/office/drawing/2010/main" xmlns="">
+              <a14:hiddenEffects xmlns="" xmlns:a14="http://schemas.microsoft.com/office/drawing/2010/main">
                 <a:effectLst>
                   <a:outerShdw dist="35921" dir="2700000" algn="ctr" rotWithShape="0">
                     <a:schemeClr val="bg2"/>
@@ -7761,7 +7761,7 @@
           </a:ln>
           <a:extLst>
             <a:ext uri="{AF507438-7753-43e0-B8FC-AC1667EBCBE1}">
-              <a14:hiddenEffects xmlns:a14="http://schemas.microsoft.com/office/drawing/2010/main" xmlns="">
+              <a14:hiddenEffects xmlns="" xmlns:a14="http://schemas.microsoft.com/office/drawing/2010/main">
                 <a:effectLst>
                   <a:outerShdw dist="35921" dir="2700000" algn="ctr" rotWithShape="0">
                     <a:schemeClr val="bg2"/>
@@ -8085,7 +8085,7 @@
           </a:ln>
           <a:extLst>
             <a:ext uri="{AF507438-7753-43e0-B8FC-AC1667EBCBE1}">
-              <a14:hiddenEffects xmlns:a14="http://schemas.microsoft.com/office/drawing/2010/main" xmlns="">
+              <a14:hiddenEffects xmlns="" xmlns:a14="http://schemas.microsoft.com/office/drawing/2010/main">
                 <a:effectLst>
                   <a:outerShdw dist="35921" dir="2700000" algn="ctr" rotWithShape="0">
                     <a:schemeClr val="bg2"/>
@@ -8139,7 +8139,7 @@
           </a:ln>
           <a:extLst>
             <a:ext uri="{AF507438-7753-43e0-B8FC-AC1667EBCBE1}">
-              <a14:hiddenEffects xmlns:a14="http://schemas.microsoft.com/office/drawing/2010/main" xmlns="">
+              <a14:hiddenEffects xmlns="" xmlns:a14="http://schemas.microsoft.com/office/drawing/2010/main">
                 <a:effectLst>
                   <a:outerShdw dist="35921" dir="2700000" algn="ctr" rotWithShape="0">
                     <a:schemeClr val="bg2"/>
@@ -8193,7 +8193,7 @@
           </a:ln>
           <a:extLst>
             <a:ext uri="{AF507438-7753-43e0-B8FC-AC1667EBCBE1}">
-              <a14:hiddenEffects xmlns:a14="http://schemas.microsoft.com/office/drawing/2010/main" xmlns="">
+              <a14:hiddenEffects xmlns="" xmlns:a14="http://schemas.microsoft.com/office/drawing/2010/main">
                 <a:effectLst>
                   <a:outerShdw dist="35921" dir="2700000" algn="ctr" rotWithShape="0">
                     <a:schemeClr val="bg2"/>
@@ -9789,14 +9789,14 @@
           <a:effectLst/>
           <a:extLst>
             <a:ext uri="{909E8E84-426E-40dd-AFC4-6F175D3DCCD1}">
-              <a14:hiddenFill xmlns="" xmlns:a14="http://schemas.microsoft.com/office/drawing/2010/main">
+              <a14:hiddenFill xmlns:a14="http://schemas.microsoft.com/office/drawing/2010/main" xmlns="">
                 <a:solidFill>
                   <a:schemeClr val="accent1"/>
                 </a:solidFill>
               </a14:hiddenFill>
             </a:ext>
             <a:ext uri="{91240B29-F687-4f45-9708-019B960494DF}">
-              <a14:hiddenLine xmlns="" xmlns:a14="http://schemas.microsoft.com/office/drawing/2010/main" w="9525">
+              <a14:hiddenLine xmlns:a14="http://schemas.microsoft.com/office/drawing/2010/main" xmlns="" w="9525">
                 <a:solidFill>
                   <a:schemeClr val="tx1"/>
                 </a:solidFill>
@@ -9806,7 +9806,7 @@
               </a14:hiddenLine>
             </a:ext>
             <a:ext uri="{AF507438-7753-43e0-B8FC-AC1667EBCBE1}">
-              <a14:hiddenEffects xmlns="" xmlns:a14="http://schemas.microsoft.com/office/drawing/2010/main">
+              <a14:hiddenEffects xmlns:a14="http://schemas.microsoft.com/office/drawing/2010/main" xmlns="">
                 <a:effectLst>
                   <a:outerShdw dist="35921" dir="2700000" algn="ctr" rotWithShape="0">
                     <a:schemeClr val="bg2"/>
@@ -10109,14 +10109,14 @@
           <a:effectLst/>
           <a:extLst>
             <a:ext uri="{909E8E84-426E-40dd-AFC4-6F175D3DCCD1}">
-              <a14:hiddenFill xmlns="" xmlns:a14="http://schemas.microsoft.com/office/drawing/2010/main">
+              <a14:hiddenFill xmlns:a14="http://schemas.microsoft.com/office/drawing/2010/main" xmlns="">
                 <a:solidFill>
                   <a:schemeClr val="accent1"/>
                 </a:solidFill>
               </a14:hiddenFill>
             </a:ext>
             <a:ext uri="{91240B29-F687-4f45-9708-019B960494DF}">
-              <a14:hiddenLine xmlns="" xmlns:a14="http://schemas.microsoft.com/office/drawing/2010/main" w="9525">
+              <a14:hiddenLine xmlns:a14="http://schemas.microsoft.com/office/drawing/2010/main" xmlns="" w="9525">
                 <a:solidFill>
                   <a:schemeClr val="tx1"/>
                 </a:solidFill>
@@ -10126,7 +10126,7 @@
               </a14:hiddenLine>
             </a:ext>
             <a:ext uri="{AF507438-7753-43e0-B8FC-AC1667EBCBE1}">
-              <a14:hiddenEffects xmlns="" xmlns:a14="http://schemas.microsoft.com/office/drawing/2010/main">
+              <a14:hiddenEffects xmlns:a14="http://schemas.microsoft.com/office/drawing/2010/main" xmlns="">
                 <a:effectLst>
                   <a:outerShdw dist="35921" dir="2700000" algn="ctr" rotWithShape="0">
                     <a:schemeClr val="bg2"/>
@@ -11929,14 +11929,14 @@
           <a:effectLst/>
           <a:extLst>
             <a:ext uri="{909E8E84-426E-40dd-AFC4-6F175D3DCCD1}">
-              <a14:hiddenFill xmlns="" xmlns:a14="http://schemas.microsoft.com/office/drawing/2010/main">
+              <a14:hiddenFill xmlns:a14="http://schemas.microsoft.com/office/drawing/2010/main" xmlns="">
                 <a:solidFill>
                   <a:schemeClr val="accent1"/>
                 </a:solidFill>
               </a14:hiddenFill>
             </a:ext>
             <a:ext uri="{91240B29-F687-4f45-9708-019B960494DF}">
-              <a14:hiddenLine xmlns="" xmlns:a14="http://schemas.microsoft.com/office/drawing/2010/main" w="9525">
+              <a14:hiddenLine xmlns:a14="http://schemas.microsoft.com/office/drawing/2010/main" xmlns="" w="9525">
                 <a:solidFill>
                   <a:schemeClr val="tx1"/>
                 </a:solidFill>
@@ -11946,7 +11946,7 @@
               </a14:hiddenLine>
             </a:ext>
             <a:ext uri="{AF507438-7753-43e0-B8FC-AC1667EBCBE1}">
-              <a14:hiddenEffects xmlns="" xmlns:a14="http://schemas.microsoft.com/office/drawing/2010/main">
+              <a14:hiddenEffects xmlns:a14="http://schemas.microsoft.com/office/drawing/2010/main" xmlns="">
                 <a:effectLst>
                   <a:outerShdw dist="35921" dir="2700000" algn="ctr" rotWithShape="0">
                     <a:schemeClr val="bg2"/>
@@ -17589,14 +17589,14 @@
           <a:effectLst/>
           <a:extLst>
             <a:ext uri="{909E8E84-426E-40dd-AFC4-6F175D3DCCD1}">
-              <a14:hiddenFill xmlns="" xmlns:a14="http://schemas.microsoft.com/office/drawing/2010/main">
+              <a14:hiddenFill xmlns:a14="http://schemas.microsoft.com/office/drawing/2010/main" xmlns="">
                 <a:solidFill>
                   <a:schemeClr val="accent1"/>
                 </a:solidFill>
               </a14:hiddenFill>
             </a:ext>
             <a:ext uri="{91240B29-F687-4f45-9708-019B960494DF}">
-              <a14:hiddenLine xmlns="" xmlns:a14="http://schemas.microsoft.com/office/drawing/2010/main" w="9525">
+              <a14:hiddenLine xmlns:a14="http://schemas.microsoft.com/office/drawing/2010/main" xmlns="" w="9525">
                 <a:solidFill>
                   <a:schemeClr val="tx1"/>
                 </a:solidFill>
@@ -17606,7 +17606,7 @@
               </a14:hiddenLine>
             </a:ext>
             <a:ext uri="{AF507438-7753-43e0-B8FC-AC1667EBCBE1}">
-              <a14:hiddenEffects xmlns="" xmlns:a14="http://schemas.microsoft.com/office/drawing/2010/main">
+              <a14:hiddenEffects xmlns:a14="http://schemas.microsoft.com/office/drawing/2010/main" xmlns="">
                 <a:effectLst>
                   <a:outerShdw dist="35921" dir="2700000" algn="ctr" rotWithShape="0">
                     <a:schemeClr val="bg2"/>
@@ -18263,7 +18263,7 @@
               <a:effectLst/>
               <a:extLst>
                 <a:ext uri="{AF507438-7753-43e0-B8FC-AC1667EBCBE1}">
-                  <a14:hiddenEffects xmlns:a14="http://schemas.microsoft.com/office/drawing/2010/main" xmlns="">
+                  <a14:hiddenEffects xmlns="" xmlns:a14="http://schemas.microsoft.com/office/drawing/2010/main">
                     <a:effectLst>
                       <a:outerShdw dist="35921" dir="2700000" algn="ctr" rotWithShape="0">
                         <a:schemeClr val="bg2"/>
@@ -18383,7 +18383,7 @@
             <a:effectLst/>
             <a:extLst>
               <a:ext uri="{AF507438-7753-43e0-B8FC-AC1667EBCBE1}">
-                <a14:hiddenEffects xmlns:a14="http://schemas.microsoft.com/office/drawing/2010/main" xmlns="">
+                <a14:hiddenEffects xmlns="" xmlns:a14="http://schemas.microsoft.com/office/drawing/2010/main">
                   <a:effectLst>
                     <a:outerShdw dist="35921" dir="2700000" algn="ctr" rotWithShape="0">
                       <a:schemeClr val="bg2"/>
@@ -19002,7 +19002,7 @@
               <a:effectLst/>
               <a:extLst>
                 <a:ext uri="{AF507438-7753-43e0-B8FC-AC1667EBCBE1}">
-                  <a14:hiddenEffects xmlns="" xmlns:a14="http://schemas.microsoft.com/office/drawing/2010/main">
+                  <a14:hiddenEffects xmlns:a14="http://schemas.microsoft.com/office/drawing/2010/main" xmlns="">
                     <a:effectLst>
                       <a:outerShdw dist="35921" dir="2700000" algn="ctr" rotWithShape="0">
                         <a:schemeClr val="bg2"/>
@@ -19122,7 +19122,7 @@
             <a:effectLst/>
             <a:extLst>
               <a:ext uri="{AF507438-7753-43e0-B8FC-AC1667EBCBE1}">
-                <a14:hiddenEffects xmlns="" xmlns:a14="http://schemas.microsoft.com/office/drawing/2010/main">
+                <a14:hiddenEffects xmlns:a14="http://schemas.microsoft.com/office/drawing/2010/main" xmlns="">
                   <a:effectLst>
                     <a:outerShdw dist="35921" dir="2700000" algn="ctr" rotWithShape="0">
                       <a:schemeClr val="bg2"/>
@@ -20650,14 +20650,14 @@
           <a:effectLst/>
           <a:extLst>
             <a:ext uri="{909E8E84-426E-40dd-AFC4-6F175D3DCCD1}">
-              <a14:hiddenFill xmlns:a14="http://schemas.microsoft.com/office/drawing/2010/main" xmlns="">
+              <a14:hiddenFill xmlns="" xmlns:a14="http://schemas.microsoft.com/office/drawing/2010/main">
                 <a:solidFill>
                   <a:schemeClr val="accent1"/>
                 </a:solidFill>
               </a14:hiddenFill>
             </a:ext>
             <a:ext uri="{91240B29-F687-4f45-9708-019B960494DF}">
-              <a14:hiddenLine xmlns:a14="http://schemas.microsoft.com/office/drawing/2010/main" xmlns="" w="9525">
+              <a14:hiddenLine xmlns="" xmlns:a14="http://schemas.microsoft.com/office/drawing/2010/main" w="9525">
                 <a:solidFill>
                   <a:schemeClr val="tx1"/>
                 </a:solidFill>
@@ -20667,7 +20667,7 @@
               </a14:hiddenLine>
             </a:ext>
             <a:ext uri="{AF507438-7753-43e0-B8FC-AC1667EBCBE1}">
-              <a14:hiddenEffects xmlns:a14="http://schemas.microsoft.com/office/drawing/2010/main" xmlns="">
+              <a14:hiddenEffects xmlns="" xmlns:a14="http://schemas.microsoft.com/office/drawing/2010/main">
                 <a:effectLst>
                   <a:outerShdw dist="35921" dir="2700000" algn="ctr" rotWithShape="0">
                     <a:schemeClr val="bg2"/>
@@ -23090,14 +23090,14 @@
           <a:effectLst/>
           <a:extLst>
             <a:ext uri="{909E8E84-426E-40dd-AFC4-6F175D3DCCD1}">
-              <a14:hiddenFill xmlns="" xmlns:a14="http://schemas.microsoft.com/office/drawing/2010/main">
+              <a14:hiddenFill xmlns:a14="http://schemas.microsoft.com/office/drawing/2010/main" xmlns="">
                 <a:solidFill>
                   <a:schemeClr val="accent1"/>
                 </a:solidFill>
               </a14:hiddenFill>
             </a:ext>
             <a:ext uri="{91240B29-F687-4f45-9708-019B960494DF}">
-              <a14:hiddenLine xmlns="" xmlns:a14="http://schemas.microsoft.com/office/drawing/2010/main" w="9525">
+              <a14:hiddenLine xmlns:a14="http://schemas.microsoft.com/office/drawing/2010/main" xmlns="" w="9525">
                 <a:solidFill>
                   <a:schemeClr val="tx1"/>
                 </a:solidFill>
@@ -23107,7 +23107,7 @@
               </a14:hiddenLine>
             </a:ext>
             <a:ext uri="{AF507438-7753-43e0-B8FC-AC1667EBCBE1}">
-              <a14:hiddenEffects xmlns="" xmlns:a14="http://schemas.microsoft.com/office/drawing/2010/main">
+              <a14:hiddenEffects xmlns:a14="http://schemas.microsoft.com/office/drawing/2010/main" xmlns="">
                 <a:effectLst>
                   <a:outerShdw dist="35921" dir="2700000" algn="ctr" rotWithShape="0">
                     <a:schemeClr val="bg2"/>
@@ -25199,7 +25199,7 @@
           <a:effectLst/>
           <a:extLst>
             <a:ext uri="{AF507438-7753-43e0-B8FC-AC1667EBCBE1}">
-              <a14:hiddenEffects xmlns:a14="http://schemas.microsoft.com/office/drawing/2010/main" xmlns="">
+              <a14:hiddenEffects xmlns="" xmlns:a14="http://schemas.microsoft.com/office/drawing/2010/main">
                 <a:effectLst>
                   <a:outerShdw dist="35921" dir="2700000" algn="ctr" rotWithShape="0">
                     <a:schemeClr val="bg2"/>
@@ -25281,7 +25281,7 @@
           <a:effectLst/>
           <a:extLst>
             <a:ext uri="{AF507438-7753-43e0-B8FC-AC1667EBCBE1}">
-              <a14:hiddenEffects xmlns:a14="http://schemas.microsoft.com/office/drawing/2010/main" xmlns="">
+              <a14:hiddenEffects xmlns="" xmlns:a14="http://schemas.microsoft.com/office/drawing/2010/main">
                 <a:effectLst>
                   <a:outerShdw dist="35921" dir="2700000" algn="ctr" rotWithShape="0">
                     <a:schemeClr val="bg2"/>
@@ -25363,7 +25363,7 @@
           <a:effectLst/>
           <a:extLst>
             <a:ext uri="{AF507438-7753-43e0-B8FC-AC1667EBCBE1}">
-              <a14:hiddenEffects xmlns:a14="http://schemas.microsoft.com/office/drawing/2010/main" xmlns="">
+              <a14:hiddenEffects xmlns="" xmlns:a14="http://schemas.microsoft.com/office/drawing/2010/main">
                 <a:effectLst>
                   <a:outerShdw dist="35921" dir="2700000" algn="ctr" rotWithShape="0">
                     <a:schemeClr val="bg2"/>
@@ -25445,7 +25445,7 @@
           <a:effectLst/>
           <a:extLst>
             <a:ext uri="{AF507438-7753-43e0-B8FC-AC1667EBCBE1}">
-              <a14:hiddenEffects xmlns:a14="http://schemas.microsoft.com/office/drawing/2010/main" xmlns="">
+              <a14:hiddenEffects xmlns="" xmlns:a14="http://schemas.microsoft.com/office/drawing/2010/main">
                 <a:effectLst>
                   <a:outerShdw dist="35921" dir="2700000" algn="ctr" rotWithShape="0">
                     <a:schemeClr val="bg2"/>
@@ -25527,7 +25527,7 @@
           <a:effectLst/>
           <a:extLst>
             <a:ext uri="{AF507438-7753-43e0-B8FC-AC1667EBCBE1}">
-              <a14:hiddenEffects xmlns:a14="http://schemas.microsoft.com/office/drawing/2010/main" xmlns="">
+              <a14:hiddenEffects xmlns="" xmlns:a14="http://schemas.microsoft.com/office/drawing/2010/main">
                 <a:effectLst>
                   <a:outerShdw dist="35921" dir="2700000" algn="ctr" rotWithShape="0">
                     <a:schemeClr val="bg2"/>
@@ -25609,7 +25609,7 @@
           <a:effectLst/>
           <a:extLst>
             <a:ext uri="{AF507438-7753-43e0-B8FC-AC1667EBCBE1}">
-              <a14:hiddenEffects xmlns:a14="http://schemas.microsoft.com/office/drawing/2010/main" xmlns="">
+              <a14:hiddenEffects xmlns="" xmlns:a14="http://schemas.microsoft.com/office/drawing/2010/main">
                 <a:effectLst>
                   <a:outerShdw dist="35921" dir="2700000" algn="ctr" rotWithShape="0">
                     <a:schemeClr val="bg2"/>
@@ -25686,7 +25686,7 @@
           </a:ln>
           <a:extLst>
             <a:ext uri="{AF507438-7753-43e0-B8FC-AC1667EBCBE1}">
-              <a14:hiddenEffects xmlns:a14="http://schemas.microsoft.com/office/drawing/2010/main" xmlns="">
+              <a14:hiddenEffects xmlns="" xmlns:a14="http://schemas.microsoft.com/office/drawing/2010/main">
                 <a:effectLst>
                   <a:outerShdw dist="35921" dir="2700000" algn="ctr" rotWithShape="0">
                     <a:schemeClr val="bg2"/>
@@ -25741,7 +25741,7 @@
           </a:ln>
           <a:extLst>
             <a:ext uri="{AF507438-7753-43e0-B8FC-AC1667EBCBE1}">
-              <a14:hiddenEffects xmlns:a14="http://schemas.microsoft.com/office/drawing/2010/main" xmlns="">
+              <a14:hiddenEffects xmlns="" xmlns:a14="http://schemas.microsoft.com/office/drawing/2010/main">
                 <a:effectLst>
                   <a:outerShdw dist="35921" dir="2700000" algn="ctr" rotWithShape="0">
                     <a:schemeClr val="bg2"/>
@@ -25796,7 +25796,7 @@
           </a:ln>
           <a:extLst>
             <a:ext uri="{AF507438-7753-43e0-B8FC-AC1667EBCBE1}">
-              <a14:hiddenEffects xmlns:a14="http://schemas.microsoft.com/office/drawing/2010/main" xmlns="">
+              <a14:hiddenEffects xmlns="" xmlns:a14="http://schemas.microsoft.com/office/drawing/2010/main">
                 <a:effectLst>
                   <a:outerShdw dist="35921" dir="2700000" algn="ctr" rotWithShape="0">
                     <a:schemeClr val="bg2"/>
@@ -25851,7 +25851,7 @@
           </a:ln>
           <a:extLst>
             <a:ext uri="{AF507438-7753-43e0-B8FC-AC1667EBCBE1}">
-              <a14:hiddenEffects xmlns:a14="http://schemas.microsoft.com/office/drawing/2010/main" xmlns="">
+              <a14:hiddenEffects xmlns="" xmlns:a14="http://schemas.microsoft.com/office/drawing/2010/main">
                 <a:effectLst>
                   <a:outerShdw dist="35921" dir="2700000" algn="ctr" rotWithShape="0">
                     <a:schemeClr val="bg2"/>
@@ -25906,7 +25906,7 @@
           </a:ln>
           <a:extLst>
             <a:ext uri="{AF507438-7753-43e0-B8FC-AC1667EBCBE1}">
-              <a14:hiddenEffects xmlns:a14="http://schemas.microsoft.com/office/drawing/2010/main" xmlns="">
+              <a14:hiddenEffects xmlns="" xmlns:a14="http://schemas.microsoft.com/office/drawing/2010/main">
                 <a:effectLst>
                   <a:outerShdw dist="35921" dir="2700000" algn="ctr" rotWithShape="0">
                     <a:schemeClr val="bg2"/>
@@ -25961,7 +25961,7 @@
           </a:ln>
           <a:extLst>
             <a:ext uri="{AF507438-7753-43e0-B8FC-AC1667EBCBE1}">
-              <a14:hiddenEffects xmlns:a14="http://schemas.microsoft.com/office/drawing/2010/main" xmlns="">
+              <a14:hiddenEffects xmlns="" xmlns:a14="http://schemas.microsoft.com/office/drawing/2010/main">
                 <a:effectLst>
                   <a:outerShdw dist="35921" dir="2700000" algn="ctr" rotWithShape="0">
                     <a:schemeClr val="bg2"/>
@@ -26021,7 +26021,7 @@
           <a:effectLst/>
           <a:extLst>
             <a:ext uri="{AF507438-7753-43e0-B8FC-AC1667EBCBE1}">
-              <a14:hiddenEffects xmlns:a14="http://schemas.microsoft.com/office/drawing/2010/main" xmlns="">
+              <a14:hiddenEffects xmlns="" xmlns:a14="http://schemas.microsoft.com/office/drawing/2010/main">
                 <a:effectLst>
                   <a:outerShdw dist="35921" dir="2700000" algn="ctr" rotWithShape="0">
                     <a:schemeClr val="bg2"/>
@@ -26103,7 +26103,7 @@
           <a:effectLst/>
           <a:extLst>
             <a:ext uri="{AF507438-7753-43e0-B8FC-AC1667EBCBE1}">
-              <a14:hiddenEffects xmlns:a14="http://schemas.microsoft.com/office/drawing/2010/main" xmlns="">
+              <a14:hiddenEffects xmlns="" xmlns:a14="http://schemas.microsoft.com/office/drawing/2010/main">
                 <a:effectLst>
                   <a:outerShdw dist="35921" dir="2700000" algn="ctr" rotWithShape="0">
                     <a:schemeClr val="bg2"/>
@@ -26185,7 +26185,7 @@
           <a:effectLst/>
           <a:extLst>
             <a:ext uri="{AF507438-7753-43e0-B8FC-AC1667EBCBE1}">
-              <a14:hiddenEffects xmlns:a14="http://schemas.microsoft.com/office/drawing/2010/main" xmlns="">
+              <a14:hiddenEffects xmlns="" xmlns:a14="http://schemas.microsoft.com/office/drawing/2010/main">
                 <a:effectLst>
                   <a:outerShdw dist="35921" dir="2700000" algn="ctr" rotWithShape="0">
                     <a:schemeClr val="bg2"/>
@@ -26267,7 +26267,7 @@
           <a:effectLst/>
           <a:extLst>
             <a:ext uri="{AF507438-7753-43e0-B8FC-AC1667EBCBE1}">
-              <a14:hiddenEffects xmlns:a14="http://schemas.microsoft.com/office/drawing/2010/main" xmlns="">
+              <a14:hiddenEffects xmlns="" xmlns:a14="http://schemas.microsoft.com/office/drawing/2010/main">
                 <a:effectLst>
                   <a:outerShdw dist="35921" dir="2700000" algn="ctr" rotWithShape="0">
                     <a:schemeClr val="bg2"/>
@@ -26349,7 +26349,7 @@
           <a:effectLst/>
           <a:extLst>
             <a:ext uri="{AF507438-7753-43e0-B8FC-AC1667EBCBE1}">
-              <a14:hiddenEffects xmlns:a14="http://schemas.microsoft.com/office/drawing/2010/main" xmlns="">
+              <a14:hiddenEffects xmlns="" xmlns:a14="http://schemas.microsoft.com/office/drawing/2010/main">
                 <a:effectLst>
                   <a:outerShdw dist="35921" dir="2700000" algn="ctr" rotWithShape="0">
                     <a:schemeClr val="bg2"/>
@@ -26431,7 +26431,7 @@
           <a:effectLst/>
           <a:extLst>
             <a:ext uri="{AF507438-7753-43e0-B8FC-AC1667EBCBE1}">
-              <a14:hiddenEffects xmlns:a14="http://schemas.microsoft.com/office/drawing/2010/main" xmlns="">
+              <a14:hiddenEffects xmlns="" xmlns:a14="http://schemas.microsoft.com/office/drawing/2010/main">
                 <a:effectLst>
                   <a:outerShdw dist="35921" dir="2700000" algn="ctr" rotWithShape="0">
                     <a:schemeClr val="bg2"/>
@@ -26508,7 +26508,7 @@
           </a:ln>
           <a:extLst>
             <a:ext uri="{AF507438-7753-43e0-B8FC-AC1667EBCBE1}">
-              <a14:hiddenEffects xmlns:a14="http://schemas.microsoft.com/office/drawing/2010/main" xmlns="">
+              <a14:hiddenEffects xmlns="" xmlns:a14="http://schemas.microsoft.com/office/drawing/2010/main">
                 <a:effectLst>
                   <a:outerShdw dist="35921" dir="2700000" algn="ctr" rotWithShape="0">
                     <a:schemeClr val="bg2"/>
@@ -26563,7 +26563,7 @@
           </a:ln>
           <a:extLst>
             <a:ext uri="{AF507438-7753-43e0-B8FC-AC1667EBCBE1}">
-              <a14:hiddenEffects xmlns:a14="http://schemas.microsoft.com/office/drawing/2010/main" xmlns="">
+              <a14:hiddenEffects xmlns="" xmlns:a14="http://schemas.microsoft.com/office/drawing/2010/main">
                 <a:effectLst>
                   <a:outerShdw dist="35921" dir="2700000" algn="ctr" rotWithShape="0">
                     <a:schemeClr val="bg2"/>
@@ -26618,7 +26618,7 @@
           </a:ln>
           <a:extLst>
             <a:ext uri="{AF507438-7753-43e0-B8FC-AC1667EBCBE1}">
-              <a14:hiddenEffects xmlns:a14="http://schemas.microsoft.com/office/drawing/2010/main" xmlns="">
+              <a14:hiddenEffects xmlns="" xmlns:a14="http://schemas.microsoft.com/office/drawing/2010/main">
                 <a:effectLst>
                   <a:outerShdw dist="35921" dir="2700000" algn="ctr" rotWithShape="0">
                     <a:schemeClr val="bg2"/>
@@ -26673,7 +26673,7 @@
           </a:ln>
           <a:extLst>
             <a:ext uri="{AF507438-7753-43e0-B8FC-AC1667EBCBE1}">
-              <a14:hiddenEffects xmlns:a14="http://schemas.microsoft.com/office/drawing/2010/main" xmlns="">
+              <a14:hiddenEffects xmlns="" xmlns:a14="http://schemas.microsoft.com/office/drawing/2010/main">
                 <a:effectLst>
                   <a:outerShdw dist="35921" dir="2700000" algn="ctr" rotWithShape="0">
                     <a:schemeClr val="bg2"/>
@@ -26728,7 +26728,7 @@
           </a:ln>
           <a:extLst>
             <a:ext uri="{AF507438-7753-43e0-B8FC-AC1667EBCBE1}">
-              <a14:hiddenEffects xmlns:a14="http://schemas.microsoft.com/office/drawing/2010/main" xmlns="">
+              <a14:hiddenEffects xmlns="" xmlns:a14="http://schemas.microsoft.com/office/drawing/2010/main">
                 <a:effectLst>
                   <a:outerShdw dist="35921" dir="2700000" algn="ctr" rotWithShape="0">
                     <a:schemeClr val="bg2"/>
@@ -26783,7 +26783,7 @@
           </a:ln>
           <a:extLst>
             <a:ext uri="{AF507438-7753-43e0-B8FC-AC1667EBCBE1}">
-              <a14:hiddenEffects xmlns:a14="http://schemas.microsoft.com/office/drawing/2010/main" xmlns="">
+              <a14:hiddenEffects xmlns="" xmlns:a14="http://schemas.microsoft.com/office/drawing/2010/main">
                 <a:effectLst>
                   <a:outerShdw dist="35921" dir="2700000" algn="ctr" rotWithShape="0">
                     <a:schemeClr val="bg2"/>
@@ -26843,7 +26843,7 @@
           <a:effectLst/>
           <a:extLst>
             <a:ext uri="{AF507438-7753-43e0-B8FC-AC1667EBCBE1}">
-              <a14:hiddenEffects xmlns:a14="http://schemas.microsoft.com/office/drawing/2010/main" xmlns="">
+              <a14:hiddenEffects xmlns="" xmlns:a14="http://schemas.microsoft.com/office/drawing/2010/main">
                 <a:effectLst>
                   <a:outerShdw dist="35921" dir="2700000" algn="ctr" rotWithShape="0">
                     <a:schemeClr val="bg2"/>
@@ -26925,7 +26925,7 @@
           <a:effectLst/>
           <a:extLst>
             <a:ext uri="{AF507438-7753-43e0-B8FC-AC1667EBCBE1}">
-              <a14:hiddenEffects xmlns:a14="http://schemas.microsoft.com/office/drawing/2010/main" xmlns="">
+              <a14:hiddenEffects xmlns="" xmlns:a14="http://schemas.microsoft.com/office/drawing/2010/main">
                 <a:effectLst>
                   <a:outerShdw dist="35921" dir="2700000" algn="ctr" rotWithShape="0">
                     <a:schemeClr val="bg2"/>
@@ -27007,7 +27007,7 @@
           <a:effectLst/>
           <a:extLst>
             <a:ext uri="{AF507438-7753-43e0-B8FC-AC1667EBCBE1}">
-              <a14:hiddenEffects xmlns:a14="http://schemas.microsoft.com/office/drawing/2010/main" xmlns="">
+              <a14:hiddenEffects xmlns="" xmlns:a14="http://schemas.microsoft.com/office/drawing/2010/main">
                 <a:effectLst>
                   <a:outerShdw dist="35921" dir="2700000" algn="ctr" rotWithShape="0">
                     <a:schemeClr val="bg2"/>
@@ -27089,7 +27089,7 @@
           <a:effectLst/>
           <a:extLst>
             <a:ext uri="{AF507438-7753-43e0-B8FC-AC1667EBCBE1}">
-              <a14:hiddenEffects xmlns:a14="http://schemas.microsoft.com/office/drawing/2010/main" xmlns="">
+              <a14:hiddenEffects xmlns="" xmlns:a14="http://schemas.microsoft.com/office/drawing/2010/main">
                 <a:effectLst>
                   <a:outerShdw dist="35921" dir="2700000" algn="ctr" rotWithShape="0">
                     <a:schemeClr val="bg2"/>
@@ -27171,7 +27171,7 @@
           <a:effectLst/>
           <a:extLst>
             <a:ext uri="{AF507438-7753-43e0-B8FC-AC1667EBCBE1}">
-              <a14:hiddenEffects xmlns:a14="http://schemas.microsoft.com/office/drawing/2010/main" xmlns="">
+              <a14:hiddenEffects xmlns="" xmlns:a14="http://schemas.microsoft.com/office/drawing/2010/main">
                 <a:effectLst>
                   <a:outerShdw dist="35921" dir="2700000" algn="ctr" rotWithShape="0">
                     <a:schemeClr val="bg2"/>
@@ -27253,7 +27253,7 @@
           <a:effectLst/>
           <a:extLst>
             <a:ext uri="{AF507438-7753-43e0-B8FC-AC1667EBCBE1}">
-              <a14:hiddenEffects xmlns:a14="http://schemas.microsoft.com/office/drawing/2010/main" xmlns="">
+              <a14:hiddenEffects xmlns="" xmlns:a14="http://schemas.microsoft.com/office/drawing/2010/main">
                 <a:effectLst>
                   <a:outerShdw dist="35921" dir="2700000" algn="ctr" rotWithShape="0">
                     <a:schemeClr val="bg2"/>
@@ -27330,7 +27330,7 @@
           </a:ln>
           <a:extLst>
             <a:ext uri="{AF507438-7753-43e0-B8FC-AC1667EBCBE1}">
-              <a14:hiddenEffects xmlns:a14="http://schemas.microsoft.com/office/drawing/2010/main" xmlns="">
+              <a14:hiddenEffects xmlns="" xmlns:a14="http://schemas.microsoft.com/office/drawing/2010/main">
                 <a:effectLst>
                   <a:outerShdw dist="35921" dir="2700000" algn="ctr" rotWithShape="0">
                     <a:schemeClr val="bg2"/>
@@ -27385,7 +27385,7 @@
           </a:ln>
           <a:extLst>
             <a:ext uri="{AF507438-7753-43e0-B8FC-AC1667EBCBE1}">
-              <a14:hiddenEffects xmlns:a14="http://schemas.microsoft.com/office/drawing/2010/main" xmlns="">
+              <a14:hiddenEffects xmlns="" xmlns:a14="http://schemas.microsoft.com/office/drawing/2010/main">
                 <a:effectLst>
                   <a:outerShdw dist="35921" dir="2700000" algn="ctr" rotWithShape="0">
                     <a:schemeClr val="bg2"/>
@@ -27440,7 +27440,7 @@
           </a:ln>
           <a:extLst>
             <a:ext uri="{AF507438-7753-43e0-B8FC-AC1667EBCBE1}">
-              <a14:hiddenEffects xmlns:a14="http://schemas.microsoft.com/office/drawing/2010/main" xmlns="">
+              <a14:hiddenEffects xmlns="" xmlns:a14="http://schemas.microsoft.com/office/drawing/2010/main">
                 <a:effectLst>
                   <a:outerShdw dist="35921" dir="2700000" algn="ctr" rotWithShape="0">
                     <a:schemeClr val="bg2"/>
@@ -27495,7 +27495,7 @@
           </a:ln>
           <a:extLst>
             <a:ext uri="{AF507438-7753-43e0-B8FC-AC1667EBCBE1}">
-              <a14:hiddenEffects xmlns:a14="http://schemas.microsoft.com/office/drawing/2010/main" xmlns="">
+              <a14:hiddenEffects xmlns="" xmlns:a14="http://schemas.microsoft.com/office/drawing/2010/main">
                 <a:effectLst>
                   <a:outerShdw dist="35921" dir="2700000" algn="ctr" rotWithShape="0">
                     <a:schemeClr val="bg2"/>
@@ -27550,7 +27550,7 @@
           </a:ln>
           <a:extLst>
             <a:ext uri="{AF507438-7753-43e0-B8FC-AC1667EBCBE1}">
-              <a14:hiddenEffects xmlns:a14="http://schemas.microsoft.com/office/drawing/2010/main" xmlns="">
+              <a14:hiddenEffects xmlns="" xmlns:a14="http://schemas.microsoft.com/office/drawing/2010/main">
                 <a:effectLst>
                   <a:outerShdw dist="35921" dir="2700000" algn="ctr" rotWithShape="0">
                     <a:schemeClr val="bg2"/>
@@ -27605,7 +27605,7 @@
           </a:ln>
           <a:extLst>
             <a:ext uri="{AF507438-7753-43e0-B8FC-AC1667EBCBE1}">
-              <a14:hiddenEffects xmlns:a14="http://schemas.microsoft.com/office/drawing/2010/main" xmlns="">
+              <a14:hiddenEffects xmlns="" xmlns:a14="http://schemas.microsoft.com/office/drawing/2010/main">
                 <a:effectLst>
                   <a:outerShdw dist="35921" dir="2700000" algn="ctr" rotWithShape="0">
                     <a:schemeClr val="bg2"/>
@@ -27665,7 +27665,7 @@
           <a:effectLst/>
           <a:extLst>
             <a:ext uri="{AF507438-7753-43e0-B8FC-AC1667EBCBE1}">
-              <a14:hiddenEffects xmlns:a14="http://schemas.microsoft.com/office/drawing/2010/main" xmlns="">
+              <a14:hiddenEffects xmlns="" xmlns:a14="http://schemas.microsoft.com/office/drawing/2010/main">
                 <a:effectLst>
                   <a:outerShdw dist="35921" dir="2700000" algn="ctr" rotWithShape="0">
                     <a:schemeClr val="bg2"/>
@@ -27747,7 +27747,7 @@
           <a:effectLst/>
           <a:extLst>
             <a:ext uri="{AF507438-7753-43e0-B8FC-AC1667EBCBE1}">
-              <a14:hiddenEffects xmlns:a14="http://schemas.microsoft.com/office/drawing/2010/main" xmlns="">
+              <a14:hiddenEffects xmlns="" xmlns:a14="http://schemas.microsoft.com/office/drawing/2010/main">
                 <a:effectLst>
                   <a:outerShdw dist="35921" dir="2700000" algn="ctr" rotWithShape="0">
                     <a:schemeClr val="bg2"/>
@@ -27829,7 +27829,7 @@
           <a:effectLst/>
           <a:extLst>
             <a:ext uri="{AF507438-7753-43e0-B8FC-AC1667EBCBE1}">
-              <a14:hiddenEffects xmlns:a14="http://schemas.microsoft.com/office/drawing/2010/main" xmlns="">
+              <a14:hiddenEffects xmlns="" xmlns:a14="http://schemas.microsoft.com/office/drawing/2010/main">
                 <a:effectLst>
                   <a:outerShdw dist="35921" dir="2700000" algn="ctr" rotWithShape="0">
                     <a:schemeClr val="bg2"/>
@@ -27911,7 +27911,7 @@
           <a:effectLst/>
           <a:extLst>
             <a:ext uri="{AF507438-7753-43e0-B8FC-AC1667EBCBE1}">
-              <a14:hiddenEffects xmlns:a14="http://schemas.microsoft.com/office/drawing/2010/main" xmlns="">
+              <a14:hiddenEffects xmlns="" xmlns:a14="http://schemas.microsoft.com/office/drawing/2010/main">
                 <a:effectLst>
                   <a:outerShdw dist="35921" dir="2700000" algn="ctr" rotWithShape="0">
                     <a:schemeClr val="bg2"/>
@@ -27993,7 +27993,7 @@
           <a:effectLst/>
           <a:extLst>
             <a:ext uri="{AF507438-7753-43e0-B8FC-AC1667EBCBE1}">
-              <a14:hiddenEffects xmlns:a14="http://schemas.microsoft.com/office/drawing/2010/main" xmlns="">
+              <a14:hiddenEffects xmlns="" xmlns:a14="http://schemas.microsoft.com/office/drawing/2010/main">
                 <a:effectLst>
                   <a:outerShdw dist="35921" dir="2700000" algn="ctr" rotWithShape="0">
                     <a:schemeClr val="bg2"/>
@@ -28075,7 +28075,7 @@
           <a:effectLst/>
           <a:extLst>
             <a:ext uri="{AF507438-7753-43e0-B8FC-AC1667EBCBE1}">
-              <a14:hiddenEffects xmlns:a14="http://schemas.microsoft.com/office/drawing/2010/main" xmlns="">
+              <a14:hiddenEffects xmlns="" xmlns:a14="http://schemas.microsoft.com/office/drawing/2010/main">
                 <a:effectLst>
                   <a:outerShdw dist="35921" dir="2700000" algn="ctr" rotWithShape="0">
                     <a:schemeClr val="bg2"/>
@@ -28152,7 +28152,7 @@
           </a:ln>
           <a:extLst>
             <a:ext uri="{AF507438-7753-43e0-B8FC-AC1667EBCBE1}">
-              <a14:hiddenEffects xmlns:a14="http://schemas.microsoft.com/office/drawing/2010/main" xmlns="">
+              <a14:hiddenEffects xmlns="" xmlns:a14="http://schemas.microsoft.com/office/drawing/2010/main">
                 <a:effectLst>
                   <a:outerShdw dist="35921" dir="2700000" algn="ctr" rotWithShape="0">
                     <a:schemeClr val="bg2"/>
@@ -28207,7 +28207,7 @@
           </a:ln>
           <a:extLst>
             <a:ext uri="{AF507438-7753-43e0-B8FC-AC1667EBCBE1}">
-              <a14:hiddenEffects xmlns:a14="http://schemas.microsoft.com/office/drawing/2010/main" xmlns="">
+              <a14:hiddenEffects xmlns="" xmlns:a14="http://schemas.microsoft.com/office/drawing/2010/main">
                 <a:effectLst>
                   <a:outerShdw dist="35921" dir="2700000" algn="ctr" rotWithShape="0">
                     <a:schemeClr val="bg2"/>
@@ -28262,7 +28262,7 @@
           </a:ln>
           <a:extLst>
             <a:ext uri="{AF507438-7753-43e0-B8FC-AC1667EBCBE1}">
-              <a14:hiddenEffects xmlns:a14="http://schemas.microsoft.com/office/drawing/2010/main" xmlns="">
+              <a14:hiddenEffects xmlns="" xmlns:a14="http://schemas.microsoft.com/office/drawing/2010/main">
                 <a:effectLst>
                   <a:outerShdw dist="35921" dir="2700000" algn="ctr" rotWithShape="0">
                     <a:schemeClr val="bg2"/>
@@ -28317,7 +28317,7 @@
           </a:ln>
           <a:extLst>
             <a:ext uri="{AF507438-7753-43e0-B8FC-AC1667EBCBE1}">
-              <a14:hiddenEffects xmlns:a14="http://schemas.microsoft.com/office/drawing/2010/main" xmlns="">
+              <a14:hiddenEffects xmlns="" xmlns:a14="http://schemas.microsoft.com/office/drawing/2010/main">
                 <a:effectLst>
                   <a:outerShdw dist="35921" dir="2700000" algn="ctr" rotWithShape="0">
                     <a:schemeClr val="bg2"/>
@@ -28372,7 +28372,7 @@
           </a:ln>
           <a:extLst>
             <a:ext uri="{AF507438-7753-43e0-B8FC-AC1667EBCBE1}">
-              <a14:hiddenEffects xmlns:a14="http://schemas.microsoft.com/office/drawing/2010/main" xmlns="">
+              <a14:hiddenEffects xmlns="" xmlns:a14="http://schemas.microsoft.com/office/drawing/2010/main">
                 <a:effectLst>
                   <a:outerShdw dist="35921" dir="2700000" algn="ctr" rotWithShape="0">
                     <a:schemeClr val="bg2"/>
@@ -28427,7 +28427,7 @@
           </a:ln>
           <a:extLst>
             <a:ext uri="{AF507438-7753-43e0-B8FC-AC1667EBCBE1}">
-              <a14:hiddenEffects xmlns:a14="http://schemas.microsoft.com/office/drawing/2010/main" xmlns="">
+              <a14:hiddenEffects xmlns="" xmlns:a14="http://schemas.microsoft.com/office/drawing/2010/main">
                 <a:effectLst>
                   <a:outerShdw dist="35921" dir="2700000" algn="ctr" rotWithShape="0">
                     <a:schemeClr val="bg2"/>
@@ -28482,7 +28482,7 @@
           </a:ln>
           <a:extLst>
             <a:ext uri="{AF507438-7753-43e0-B8FC-AC1667EBCBE1}">
-              <a14:hiddenEffects xmlns:a14="http://schemas.microsoft.com/office/drawing/2010/main" xmlns="">
+              <a14:hiddenEffects xmlns="" xmlns:a14="http://schemas.microsoft.com/office/drawing/2010/main">
                 <a:effectLst>
                   <a:outerShdw dist="35921" dir="2700000" algn="ctr" rotWithShape="0">
                     <a:schemeClr val="bg2"/>
@@ -28537,7 +28537,7 @@
           </a:ln>
           <a:extLst>
             <a:ext uri="{AF507438-7753-43e0-B8FC-AC1667EBCBE1}">
-              <a14:hiddenEffects xmlns:a14="http://schemas.microsoft.com/office/drawing/2010/main" xmlns="">
+              <a14:hiddenEffects xmlns="" xmlns:a14="http://schemas.microsoft.com/office/drawing/2010/main">
                 <a:effectLst>
                   <a:outerShdw dist="35921" dir="2700000" algn="ctr" rotWithShape="0">
                     <a:schemeClr val="bg2"/>
@@ -28592,7 +28592,7 @@
           </a:ln>
           <a:extLst>
             <a:ext uri="{AF507438-7753-43e0-B8FC-AC1667EBCBE1}">
-              <a14:hiddenEffects xmlns:a14="http://schemas.microsoft.com/office/drawing/2010/main" xmlns="">
+              <a14:hiddenEffects xmlns="" xmlns:a14="http://schemas.microsoft.com/office/drawing/2010/main">
                 <a:effectLst>
                   <a:outerShdw dist="35921" dir="2700000" algn="ctr" rotWithShape="0">
                     <a:schemeClr val="bg2"/>
@@ -28647,7 +28647,7 @@
           </a:ln>
           <a:extLst>
             <a:ext uri="{AF507438-7753-43e0-B8FC-AC1667EBCBE1}">
-              <a14:hiddenEffects xmlns:a14="http://schemas.microsoft.com/office/drawing/2010/main" xmlns="">
+              <a14:hiddenEffects xmlns="" xmlns:a14="http://schemas.microsoft.com/office/drawing/2010/main">
                 <a:effectLst>
                   <a:outerShdw dist="35921" dir="2700000" algn="ctr" rotWithShape="0">
                     <a:schemeClr val="bg2"/>
@@ -28702,7 +28702,7 @@
           </a:ln>
           <a:extLst>
             <a:ext uri="{AF507438-7753-43e0-B8FC-AC1667EBCBE1}">
-              <a14:hiddenEffects xmlns:a14="http://schemas.microsoft.com/office/drawing/2010/main" xmlns="">
+              <a14:hiddenEffects xmlns="" xmlns:a14="http://schemas.microsoft.com/office/drawing/2010/main">
                 <a:effectLst>
                   <a:outerShdw dist="35921" dir="2700000" algn="ctr" rotWithShape="0">
                     <a:schemeClr val="bg2"/>
@@ -28757,7 +28757,7 @@
           </a:ln>
           <a:extLst>
             <a:ext uri="{AF507438-7753-43e0-B8FC-AC1667EBCBE1}">
-              <a14:hiddenEffects xmlns:a14="http://schemas.microsoft.com/office/drawing/2010/main" xmlns="">
+              <a14:hiddenEffects xmlns="" xmlns:a14="http://schemas.microsoft.com/office/drawing/2010/main">
                 <a:effectLst>
                   <a:outerShdw dist="35921" dir="2700000" algn="ctr" rotWithShape="0">
                     <a:schemeClr val="bg2"/>
@@ -28846,7 +28846,7 @@
           </a:ln>
           <a:extLst>
             <a:ext uri="{AF507438-7753-43e0-B8FC-AC1667EBCBE1}">
-              <a14:hiddenEffects xmlns:a14="http://schemas.microsoft.com/office/drawing/2010/main" xmlns="">
+              <a14:hiddenEffects xmlns="" xmlns:a14="http://schemas.microsoft.com/office/drawing/2010/main">
                 <a:effectLst>
                   <a:outerShdw dist="35921" dir="2700000" algn="ctr" rotWithShape="0">
                     <a:schemeClr val="bg2"/>
@@ -28971,7 +28971,7 @@
           </a:ln>
           <a:extLst>
             <a:ext uri="{AF507438-7753-43e0-B8FC-AC1667EBCBE1}">
-              <a14:hiddenEffects xmlns:a14="http://schemas.microsoft.com/office/drawing/2010/main" xmlns="">
+              <a14:hiddenEffects xmlns="" xmlns:a14="http://schemas.microsoft.com/office/drawing/2010/main">
                 <a:effectLst>
                   <a:outerShdw dist="35921" dir="2700000" algn="ctr" rotWithShape="0">
                     <a:schemeClr val="bg2"/>
@@ -29096,7 +29096,7 @@
           </a:ln>
           <a:extLst>
             <a:ext uri="{AF507438-7753-43e0-B8FC-AC1667EBCBE1}">
-              <a14:hiddenEffects xmlns:a14="http://schemas.microsoft.com/office/drawing/2010/main" xmlns="">
+              <a14:hiddenEffects xmlns="" xmlns:a14="http://schemas.microsoft.com/office/drawing/2010/main">
                 <a:effectLst>
                   <a:outerShdw dist="35921" dir="2700000" algn="ctr" rotWithShape="0">
                     <a:schemeClr val="bg2"/>
@@ -29185,7 +29185,7 @@
           </a:ln>
           <a:extLst>
             <a:ext uri="{AF507438-7753-43e0-B8FC-AC1667EBCBE1}">
-              <a14:hiddenEffects xmlns:a14="http://schemas.microsoft.com/office/drawing/2010/main" xmlns="">
+              <a14:hiddenEffects xmlns="" xmlns:a14="http://schemas.microsoft.com/office/drawing/2010/main">
                 <a:effectLst>
                   <a:outerShdw dist="35921" dir="2700000" algn="ctr" rotWithShape="0">
                     <a:schemeClr val="bg2"/>
@@ -29238,7 +29238,7 @@
           </a:ln>
           <a:extLst>
             <a:ext uri="{AF507438-7753-43e0-B8FC-AC1667EBCBE1}">
-              <a14:hiddenEffects xmlns:a14="http://schemas.microsoft.com/office/drawing/2010/main" xmlns="">
+              <a14:hiddenEffects xmlns="" xmlns:a14="http://schemas.microsoft.com/office/drawing/2010/main">
                 <a:effectLst>
                   <a:outerShdw dist="35921" dir="2700000" algn="ctr" rotWithShape="0">
                     <a:schemeClr val="bg2"/>
@@ -29291,7 +29291,7 @@
           </a:ln>
           <a:extLst>
             <a:ext uri="{AF507438-7753-43e0-B8FC-AC1667EBCBE1}">
-              <a14:hiddenEffects xmlns:a14="http://schemas.microsoft.com/office/drawing/2010/main" xmlns="">
+              <a14:hiddenEffects xmlns="" xmlns:a14="http://schemas.microsoft.com/office/drawing/2010/main">
                 <a:effectLst>
                   <a:outerShdw dist="35921" dir="2700000" algn="ctr" rotWithShape="0">
                     <a:schemeClr val="bg2"/>
@@ -29342,7 +29342,7 @@
           </a:ln>
           <a:extLst>
             <a:ext uri="{AF507438-7753-43e0-B8FC-AC1667EBCBE1}">
-              <a14:hiddenEffects xmlns:a14="http://schemas.microsoft.com/office/drawing/2010/main" xmlns="">
+              <a14:hiddenEffects xmlns="" xmlns:a14="http://schemas.microsoft.com/office/drawing/2010/main">
                 <a:effectLst>
                   <a:outerShdw dist="35921" dir="2700000" algn="ctr" rotWithShape="0">
                     <a:schemeClr val="bg2"/>
@@ -29393,7 +29393,7 @@
           </a:ln>
           <a:extLst>
             <a:ext uri="{AF507438-7753-43e0-B8FC-AC1667EBCBE1}">
-              <a14:hiddenEffects xmlns:a14="http://schemas.microsoft.com/office/drawing/2010/main" xmlns="">
+              <a14:hiddenEffects xmlns="" xmlns:a14="http://schemas.microsoft.com/office/drawing/2010/main">
                 <a:effectLst>
                   <a:outerShdw dist="35921" dir="2700000" algn="ctr" rotWithShape="0">
                     <a:schemeClr val="bg2"/>
@@ -29609,7 +29609,7 @@
           </a:ln>
           <a:extLst>
             <a:ext uri="{AF507438-7753-43e0-B8FC-AC1667EBCBE1}">
-              <a14:hiddenEffects xmlns:a14="http://schemas.microsoft.com/office/drawing/2010/main" xmlns="">
+              <a14:hiddenEffects xmlns="" xmlns:a14="http://schemas.microsoft.com/office/drawing/2010/main">
                 <a:effectLst>
                   <a:outerShdw dist="35921" dir="2700000" algn="ctr" rotWithShape="0">
                     <a:schemeClr val="bg2"/>
@@ -29770,7 +29770,7 @@
           </a:ln>
           <a:extLst>
             <a:ext uri="{AF507438-7753-43e0-B8FC-AC1667EBCBE1}">
-              <a14:hiddenEffects xmlns:a14="http://schemas.microsoft.com/office/drawing/2010/main" xmlns="">
+              <a14:hiddenEffects xmlns="" xmlns:a14="http://schemas.microsoft.com/office/drawing/2010/main">
                 <a:effectLst>
                   <a:outerShdw dist="35921" dir="2700000" algn="ctr" rotWithShape="0">
                     <a:schemeClr val="bg2"/>
@@ -29866,7 +29866,7 @@
           <a:effectLst/>
           <a:extLst>
             <a:ext uri="{AF507438-7753-43e0-B8FC-AC1667EBCBE1}">
-              <a14:hiddenEffects xmlns:a14="http://schemas.microsoft.com/office/drawing/2010/main" xmlns="">
+              <a14:hiddenEffects xmlns="" xmlns:a14="http://schemas.microsoft.com/office/drawing/2010/main">
                 <a:effectLst>
                   <a:outerShdw dist="35921" dir="2700000" algn="ctr" rotWithShape="0">
                     <a:schemeClr val="bg2"/>
@@ -29948,7 +29948,7 @@
           <a:effectLst/>
           <a:extLst>
             <a:ext uri="{AF507438-7753-43e0-B8FC-AC1667EBCBE1}">
-              <a14:hiddenEffects xmlns:a14="http://schemas.microsoft.com/office/drawing/2010/main" xmlns="">
+              <a14:hiddenEffects xmlns="" xmlns:a14="http://schemas.microsoft.com/office/drawing/2010/main">
                 <a:effectLst>
                   <a:outerShdw dist="35921" dir="2700000" algn="ctr" rotWithShape="0">
                     <a:schemeClr val="bg2"/>
@@ -30030,7 +30030,7 @@
           <a:effectLst/>
           <a:extLst>
             <a:ext uri="{AF507438-7753-43e0-B8FC-AC1667EBCBE1}">
-              <a14:hiddenEffects xmlns:a14="http://schemas.microsoft.com/office/drawing/2010/main" xmlns="">
+              <a14:hiddenEffects xmlns="" xmlns:a14="http://schemas.microsoft.com/office/drawing/2010/main">
                 <a:effectLst>
                   <a:outerShdw dist="35921" dir="2700000" algn="ctr" rotWithShape="0">
                     <a:schemeClr val="bg2"/>
@@ -30112,7 +30112,7 @@
           <a:effectLst/>
           <a:extLst>
             <a:ext uri="{AF507438-7753-43e0-B8FC-AC1667EBCBE1}">
-              <a14:hiddenEffects xmlns:a14="http://schemas.microsoft.com/office/drawing/2010/main" xmlns="">
+              <a14:hiddenEffects xmlns="" xmlns:a14="http://schemas.microsoft.com/office/drawing/2010/main">
                 <a:effectLst>
                   <a:outerShdw dist="35921" dir="2700000" algn="ctr" rotWithShape="0">
                     <a:schemeClr val="bg2"/>
@@ -30194,7 +30194,7 @@
           <a:effectLst/>
           <a:extLst>
             <a:ext uri="{AF507438-7753-43e0-B8FC-AC1667EBCBE1}">
-              <a14:hiddenEffects xmlns:a14="http://schemas.microsoft.com/office/drawing/2010/main" xmlns="">
+              <a14:hiddenEffects xmlns="" xmlns:a14="http://schemas.microsoft.com/office/drawing/2010/main">
                 <a:effectLst>
                   <a:outerShdw dist="35921" dir="2700000" algn="ctr" rotWithShape="0">
                     <a:schemeClr val="bg2"/>
@@ -30276,7 +30276,7 @@
           <a:effectLst/>
           <a:extLst>
             <a:ext uri="{AF507438-7753-43e0-B8FC-AC1667EBCBE1}">
-              <a14:hiddenEffects xmlns:a14="http://schemas.microsoft.com/office/drawing/2010/main" xmlns="">
+              <a14:hiddenEffects xmlns="" xmlns:a14="http://schemas.microsoft.com/office/drawing/2010/main">
                 <a:effectLst>
                   <a:outerShdw dist="35921" dir="2700000" algn="ctr" rotWithShape="0">
                     <a:schemeClr val="bg2"/>
@@ -30353,7 +30353,7 @@
           </a:ln>
           <a:extLst>
             <a:ext uri="{AF507438-7753-43e0-B8FC-AC1667EBCBE1}">
-              <a14:hiddenEffects xmlns:a14="http://schemas.microsoft.com/office/drawing/2010/main" xmlns="">
+              <a14:hiddenEffects xmlns="" xmlns:a14="http://schemas.microsoft.com/office/drawing/2010/main">
                 <a:effectLst>
                   <a:outerShdw dist="35921" dir="2700000" algn="ctr" rotWithShape="0">
                     <a:schemeClr val="bg2"/>
@@ -30408,7 +30408,7 @@
           </a:ln>
           <a:extLst>
             <a:ext uri="{AF507438-7753-43e0-B8FC-AC1667EBCBE1}">
-              <a14:hiddenEffects xmlns:a14="http://schemas.microsoft.com/office/drawing/2010/main" xmlns="">
+              <a14:hiddenEffects xmlns="" xmlns:a14="http://schemas.microsoft.com/office/drawing/2010/main">
                 <a:effectLst>
                   <a:outerShdw dist="35921" dir="2700000" algn="ctr" rotWithShape="0">
                     <a:schemeClr val="bg2"/>
@@ -30463,7 +30463,7 @@
           </a:ln>
           <a:extLst>
             <a:ext uri="{AF507438-7753-43e0-B8FC-AC1667EBCBE1}">
-              <a14:hiddenEffects xmlns:a14="http://schemas.microsoft.com/office/drawing/2010/main" xmlns="">
+              <a14:hiddenEffects xmlns="" xmlns:a14="http://schemas.microsoft.com/office/drawing/2010/main">
                 <a:effectLst>
                   <a:outerShdw dist="35921" dir="2700000" algn="ctr" rotWithShape="0">
                     <a:schemeClr val="bg2"/>
@@ -30518,7 +30518,7 @@
           </a:ln>
           <a:extLst>
             <a:ext uri="{AF507438-7753-43e0-B8FC-AC1667EBCBE1}">
-              <a14:hiddenEffects xmlns:a14="http://schemas.microsoft.com/office/drawing/2010/main" xmlns="">
+              <a14:hiddenEffects xmlns="" xmlns:a14="http://schemas.microsoft.com/office/drawing/2010/main">
                 <a:effectLst>
                   <a:outerShdw dist="35921" dir="2700000" algn="ctr" rotWithShape="0">
                     <a:schemeClr val="bg2"/>
@@ -30573,7 +30573,7 @@
           </a:ln>
           <a:extLst>
             <a:ext uri="{AF507438-7753-43e0-B8FC-AC1667EBCBE1}">
-              <a14:hiddenEffects xmlns:a14="http://schemas.microsoft.com/office/drawing/2010/main" xmlns="">
+              <a14:hiddenEffects xmlns="" xmlns:a14="http://schemas.microsoft.com/office/drawing/2010/main">
                 <a:effectLst>
                   <a:outerShdw dist="35921" dir="2700000" algn="ctr" rotWithShape="0">
                     <a:schemeClr val="bg2"/>
@@ -30628,7 +30628,7 @@
           </a:ln>
           <a:extLst>
             <a:ext uri="{AF507438-7753-43e0-B8FC-AC1667EBCBE1}">
-              <a14:hiddenEffects xmlns:a14="http://schemas.microsoft.com/office/drawing/2010/main" xmlns="">
+              <a14:hiddenEffects xmlns="" xmlns:a14="http://schemas.microsoft.com/office/drawing/2010/main">
                 <a:effectLst>
                   <a:outerShdw dist="35921" dir="2700000" algn="ctr" rotWithShape="0">
                     <a:schemeClr val="bg2"/>
@@ -30679,7 +30679,7 @@
           </a:ln>
           <a:extLst>
             <a:ext uri="{AF507438-7753-43e0-B8FC-AC1667EBCBE1}">
-              <a14:hiddenEffects xmlns:a14="http://schemas.microsoft.com/office/drawing/2010/main" xmlns="">
+              <a14:hiddenEffects xmlns="" xmlns:a14="http://schemas.microsoft.com/office/drawing/2010/main">
                 <a:effectLst>
                   <a:outerShdw dist="35921" dir="2700000" algn="ctr" rotWithShape="0">
                     <a:schemeClr val="bg2"/>
@@ -30739,7 +30739,7 @@
           <a:effectLst/>
           <a:extLst>
             <a:ext uri="{AF507438-7753-43e0-B8FC-AC1667EBCBE1}">
-              <a14:hiddenEffects xmlns:a14="http://schemas.microsoft.com/office/drawing/2010/main" xmlns="">
+              <a14:hiddenEffects xmlns="" xmlns:a14="http://schemas.microsoft.com/office/drawing/2010/main">
                 <a:effectLst>
                   <a:outerShdw dist="35921" dir="2700000" algn="ctr" rotWithShape="0">
                     <a:schemeClr val="bg2"/>
@@ -30821,7 +30821,7 @@
           <a:effectLst/>
           <a:extLst>
             <a:ext uri="{AF507438-7753-43e0-B8FC-AC1667EBCBE1}">
-              <a14:hiddenEffects xmlns:a14="http://schemas.microsoft.com/office/drawing/2010/main" xmlns="">
+              <a14:hiddenEffects xmlns="" xmlns:a14="http://schemas.microsoft.com/office/drawing/2010/main">
                 <a:effectLst>
                   <a:outerShdw dist="35921" dir="2700000" algn="ctr" rotWithShape="0">
                     <a:schemeClr val="bg2"/>
@@ -30903,7 +30903,7 @@
           <a:effectLst/>
           <a:extLst>
             <a:ext uri="{AF507438-7753-43e0-B8FC-AC1667EBCBE1}">
-              <a14:hiddenEffects xmlns:a14="http://schemas.microsoft.com/office/drawing/2010/main" xmlns="">
+              <a14:hiddenEffects xmlns="" xmlns:a14="http://schemas.microsoft.com/office/drawing/2010/main">
                 <a:effectLst>
                   <a:outerShdw dist="35921" dir="2700000" algn="ctr" rotWithShape="0">
                     <a:schemeClr val="bg2"/>
@@ -30985,7 +30985,7 @@
           <a:effectLst/>
           <a:extLst>
             <a:ext uri="{AF507438-7753-43e0-B8FC-AC1667EBCBE1}">
-              <a14:hiddenEffects xmlns:a14="http://schemas.microsoft.com/office/drawing/2010/main" xmlns="">
+              <a14:hiddenEffects xmlns="" xmlns:a14="http://schemas.microsoft.com/office/drawing/2010/main">
                 <a:effectLst>
                   <a:outerShdw dist="35921" dir="2700000" algn="ctr" rotWithShape="0">
                     <a:schemeClr val="bg2"/>
@@ -31067,7 +31067,7 @@
           <a:effectLst/>
           <a:extLst>
             <a:ext uri="{AF507438-7753-43e0-B8FC-AC1667EBCBE1}">
-              <a14:hiddenEffects xmlns:a14="http://schemas.microsoft.com/office/drawing/2010/main" xmlns="">
+              <a14:hiddenEffects xmlns="" xmlns:a14="http://schemas.microsoft.com/office/drawing/2010/main">
                 <a:effectLst>
                   <a:outerShdw dist="35921" dir="2700000" algn="ctr" rotWithShape="0">
                     <a:schemeClr val="bg2"/>
@@ -31149,7 +31149,7 @@
           <a:effectLst/>
           <a:extLst>
             <a:ext uri="{AF507438-7753-43e0-B8FC-AC1667EBCBE1}">
-              <a14:hiddenEffects xmlns:a14="http://schemas.microsoft.com/office/drawing/2010/main" xmlns="">
+              <a14:hiddenEffects xmlns="" xmlns:a14="http://schemas.microsoft.com/office/drawing/2010/main">
                 <a:effectLst>
                   <a:outerShdw dist="35921" dir="2700000" algn="ctr" rotWithShape="0">
                     <a:schemeClr val="bg2"/>
@@ -31226,7 +31226,7 @@
           </a:ln>
           <a:extLst>
             <a:ext uri="{AF507438-7753-43e0-B8FC-AC1667EBCBE1}">
-              <a14:hiddenEffects xmlns:a14="http://schemas.microsoft.com/office/drawing/2010/main" xmlns="">
+              <a14:hiddenEffects xmlns="" xmlns:a14="http://schemas.microsoft.com/office/drawing/2010/main">
                 <a:effectLst>
                   <a:outerShdw dist="35921" dir="2700000" algn="ctr" rotWithShape="0">
                     <a:schemeClr val="bg2"/>
@@ -31281,7 +31281,7 @@
           </a:ln>
           <a:extLst>
             <a:ext uri="{AF507438-7753-43e0-B8FC-AC1667EBCBE1}">
-              <a14:hiddenEffects xmlns:a14="http://schemas.microsoft.com/office/drawing/2010/main" xmlns="">
+              <a14:hiddenEffects xmlns="" xmlns:a14="http://schemas.microsoft.com/office/drawing/2010/main">
                 <a:effectLst>
                   <a:outerShdw dist="35921" dir="2700000" algn="ctr" rotWithShape="0">
                     <a:schemeClr val="bg2"/>
@@ -31336,7 +31336,7 @@
           </a:ln>
           <a:extLst>
             <a:ext uri="{AF507438-7753-43e0-B8FC-AC1667EBCBE1}">
-              <a14:hiddenEffects xmlns:a14="http://schemas.microsoft.com/office/drawing/2010/main" xmlns="">
+              <a14:hiddenEffects xmlns="" xmlns:a14="http://schemas.microsoft.com/office/drawing/2010/main">
                 <a:effectLst>
                   <a:outerShdw dist="35921" dir="2700000" algn="ctr" rotWithShape="0">
                     <a:schemeClr val="bg2"/>
@@ -31391,7 +31391,7 @@
           </a:ln>
           <a:extLst>
             <a:ext uri="{AF507438-7753-43e0-B8FC-AC1667EBCBE1}">
-              <a14:hiddenEffects xmlns:a14="http://schemas.microsoft.com/office/drawing/2010/main" xmlns="">
+              <a14:hiddenEffects xmlns="" xmlns:a14="http://schemas.microsoft.com/office/drawing/2010/main">
                 <a:effectLst>
                   <a:outerShdw dist="35921" dir="2700000" algn="ctr" rotWithShape="0">
                     <a:schemeClr val="bg2"/>
@@ -31446,7 +31446,7 @@
           </a:ln>
           <a:extLst>
             <a:ext uri="{AF507438-7753-43e0-B8FC-AC1667EBCBE1}">
-              <a14:hiddenEffects xmlns:a14="http://schemas.microsoft.com/office/drawing/2010/main" xmlns="">
+              <a14:hiddenEffects xmlns="" xmlns:a14="http://schemas.microsoft.com/office/drawing/2010/main">
                 <a:effectLst>
                   <a:outerShdw dist="35921" dir="2700000" algn="ctr" rotWithShape="0">
                     <a:schemeClr val="bg2"/>
@@ -31501,7 +31501,7 @@
           </a:ln>
           <a:extLst>
             <a:ext uri="{AF507438-7753-43e0-B8FC-AC1667EBCBE1}">
-              <a14:hiddenEffects xmlns:a14="http://schemas.microsoft.com/office/drawing/2010/main" xmlns="">
+              <a14:hiddenEffects xmlns="" xmlns:a14="http://schemas.microsoft.com/office/drawing/2010/main">
                 <a:effectLst>
                   <a:outerShdw dist="35921" dir="2700000" algn="ctr" rotWithShape="0">
                     <a:schemeClr val="bg2"/>
@@ -31561,7 +31561,7 @@
           <a:effectLst/>
           <a:extLst>
             <a:ext uri="{AF507438-7753-43e0-B8FC-AC1667EBCBE1}">
-              <a14:hiddenEffects xmlns:a14="http://schemas.microsoft.com/office/drawing/2010/main" xmlns="">
+              <a14:hiddenEffects xmlns="" xmlns:a14="http://schemas.microsoft.com/office/drawing/2010/main">
                 <a:effectLst>
                   <a:outerShdw dist="35921" dir="2700000" algn="ctr" rotWithShape="0">
                     <a:schemeClr val="bg2"/>
@@ -31643,7 +31643,7 @@
           <a:effectLst/>
           <a:extLst>
             <a:ext uri="{AF507438-7753-43e0-B8FC-AC1667EBCBE1}">
-              <a14:hiddenEffects xmlns:a14="http://schemas.microsoft.com/office/drawing/2010/main" xmlns="">
+              <a14:hiddenEffects xmlns="" xmlns:a14="http://schemas.microsoft.com/office/drawing/2010/main">
                 <a:effectLst>
                   <a:outerShdw dist="35921" dir="2700000" algn="ctr" rotWithShape="0">
                     <a:schemeClr val="bg2"/>
@@ -31725,7 +31725,7 @@
           <a:effectLst/>
           <a:extLst>
             <a:ext uri="{AF507438-7753-43e0-B8FC-AC1667EBCBE1}">
-              <a14:hiddenEffects xmlns:a14="http://schemas.microsoft.com/office/drawing/2010/main" xmlns="">
+              <a14:hiddenEffects xmlns="" xmlns:a14="http://schemas.microsoft.com/office/drawing/2010/main">
                 <a:effectLst>
                   <a:outerShdw dist="35921" dir="2700000" algn="ctr" rotWithShape="0">
                     <a:schemeClr val="bg2"/>
@@ -31807,7 +31807,7 @@
           <a:effectLst/>
           <a:extLst>
             <a:ext uri="{AF507438-7753-43e0-B8FC-AC1667EBCBE1}">
-              <a14:hiddenEffects xmlns:a14="http://schemas.microsoft.com/office/drawing/2010/main" xmlns="">
+              <a14:hiddenEffects xmlns="" xmlns:a14="http://schemas.microsoft.com/office/drawing/2010/main">
                 <a:effectLst>
                   <a:outerShdw dist="35921" dir="2700000" algn="ctr" rotWithShape="0">
                     <a:schemeClr val="bg2"/>
@@ -31889,7 +31889,7 @@
           <a:effectLst/>
           <a:extLst>
             <a:ext uri="{AF507438-7753-43e0-B8FC-AC1667EBCBE1}">
-              <a14:hiddenEffects xmlns:a14="http://schemas.microsoft.com/office/drawing/2010/main" xmlns="">
+              <a14:hiddenEffects xmlns="" xmlns:a14="http://schemas.microsoft.com/office/drawing/2010/main">
                 <a:effectLst>
                   <a:outerShdw dist="35921" dir="2700000" algn="ctr" rotWithShape="0">
                     <a:schemeClr val="bg2"/>
@@ -31971,7 +31971,7 @@
           <a:effectLst/>
           <a:extLst>
             <a:ext uri="{AF507438-7753-43e0-B8FC-AC1667EBCBE1}">
-              <a14:hiddenEffects xmlns:a14="http://schemas.microsoft.com/office/drawing/2010/main" xmlns="">
+              <a14:hiddenEffects xmlns="" xmlns:a14="http://schemas.microsoft.com/office/drawing/2010/main">
                 <a:effectLst>
                   <a:outerShdw dist="35921" dir="2700000" algn="ctr" rotWithShape="0">
                     <a:schemeClr val="bg2"/>
@@ -32048,7 +32048,7 @@
           </a:ln>
           <a:extLst>
             <a:ext uri="{AF507438-7753-43e0-B8FC-AC1667EBCBE1}">
-              <a14:hiddenEffects xmlns:a14="http://schemas.microsoft.com/office/drawing/2010/main" xmlns="">
+              <a14:hiddenEffects xmlns="" xmlns:a14="http://schemas.microsoft.com/office/drawing/2010/main">
                 <a:effectLst>
                   <a:outerShdw dist="35921" dir="2700000" algn="ctr" rotWithShape="0">
                     <a:schemeClr val="bg2"/>
@@ -32103,7 +32103,7 @@
           </a:ln>
           <a:extLst>
             <a:ext uri="{AF507438-7753-43e0-B8FC-AC1667EBCBE1}">
-              <a14:hiddenEffects xmlns:a14="http://schemas.microsoft.com/office/drawing/2010/main" xmlns="">
+              <a14:hiddenEffects xmlns="" xmlns:a14="http://schemas.microsoft.com/office/drawing/2010/main">
                 <a:effectLst>
                   <a:outerShdw dist="35921" dir="2700000" algn="ctr" rotWithShape="0">
                     <a:schemeClr val="bg2"/>
@@ -32157,7 +32157,7 @@
           </a:ln>
           <a:extLst>
             <a:ext uri="{AF507438-7753-43e0-B8FC-AC1667EBCBE1}">
-              <a14:hiddenEffects xmlns:a14="http://schemas.microsoft.com/office/drawing/2010/main" xmlns="">
+              <a14:hiddenEffects xmlns="" xmlns:a14="http://schemas.microsoft.com/office/drawing/2010/main">
                 <a:effectLst>
                   <a:outerShdw dist="35921" dir="2700000" algn="ctr" rotWithShape="0">
                     <a:schemeClr val="bg2"/>
@@ -32212,7 +32212,7 @@
           </a:ln>
           <a:extLst>
             <a:ext uri="{AF507438-7753-43e0-B8FC-AC1667EBCBE1}">
-              <a14:hiddenEffects xmlns:a14="http://schemas.microsoft.com/office/drawing/2010/main" xmlns="">
+              <a14:hiddenEffects xmlns="" xmlns:a14="http://schemas.microsoft.com/office/drawing/2010/main">
                 <a:effectLst>
                   <a:outerShdw dist="35921" dir="2700000" algn="ctr" rotWithShape="0">
                     <a:schemeClr val="bg2"/>
@@ -32267,7 +32267,7 @@
           </a:ln>
           <a:extLst>
             <a:ext uri="{AF507438-7753-43e0-B8FC-AC1667EBCBE1}">
-              <a14:hiddenEffects xmlns:a14="http://schemas.microsoft.com/office/drawing/2010/main" xmlns="">
+              <a14:hiddenEffects xmlns="" xmlns:a14="http://schemas.microsoft.com/office/drawing/2010/main">
                 <a:effectLst>
                   <a:outerShdw dist="35921" dir="2700000" algn="ctr" rotWithShape="0">
                     <a:schemeClr val="bg2"/>
@@ -32322,7 +32322,7 @@
           </a:ln>
           <a:extLst>
             <a:ext uri="{AF507438-7753-43e0-B8FC-AC1667EBCBE1}">
-              <a14:hiddenEffects xmlns:a14="http://schemas.microsoft.com/office/drawing/2010/main" xmlns="">
+              <a14:hiddenEffects xmlns="" xmlns:a14="http://schemas.microsoft.com/office/drawing/2010/main">
                 <a:effectLst>
                   <a:outerShdw dist="35921" dir="2700000" algn="ctr" rotWithShape="0">
                     <a:schemeClr val="bg2"/>
@@ -32373,7 +32373,7 @@
           </a:ln>
           <a:extLst>
             <a:ext uri="{AF507438-7753-43e0-B8FC-AC1667EBCBE1}">
-              <a14:hiddenEffects xmlns:a14="http://schemas.microsoft.com/office/drawing/2010/main" xmlns="">
+              <a14:hiddenEffects xmlns="" xmlns:a14="http://schemas.microsoft.com/office/drawing/2010/main">
                 <a:effectLst>
                   <a:outerShdw dist="35921" dir="2700000" algn="ctr" rotWithShape="0">
                     <a:schemeClr val="bg2"/>
@@ -32433,7 +32433,7 @@
           <a:effectLst/>
           <a:extLst>
             <a:ext uri="{AF507438-7753-43e0-B8FC-AC1667EBCBE1}">
-              <a14:hiddenEffects xmlns:a14="http://schemas.microsoft.com/office/drawing/2010/main" xmlns="">
+              <a14:hiddenEffects xmlns="" xmlns:a14="http://schemas.microsoft.com/office/drawing/2010/main">
                 <a:effectLst>
                   <a:outerShdw dist="35921" dir="2700000" algn="ctr" rotWithShape="0">
                     <a:schemeClr val="bg2"/>
@@ -32515,7 +32515,7 @@
           <a:effectLst/>
           <a:extLst>
             <a:ext uri="{AF507438-7753-43e0-B8FC-AC1667EBCBE1}">
-              <a14:hiddenEffects xmlns:a14="http://schemas.microsoft.com/office/drawing/2010/main" xmlns="">
+              <a14:hiddenEffects xmlns="" xmlns:a14="http://schemas.microsoft.com/office/drawing/2010/main">
                 <a:effectLst>
                   <a:outerShdw dist="35921" dir="2700000" algn="ctr" rotWithShape="0">
                     <a:schemeClr val="bg2"/>
@@ -32597,7 +32597,7 @@
           <a:effectLst/>
           <a:extLst>
             <a:ext uri="{AF507438-7753-43e0-B8FC-AC1667EBCBE1}">
-              <a14:hiddenEffects xmlns:a14="http://schemas.microsoft.com/office/drawing/2010/main" xmlns="">
+              <a14:hiddenEffects xmlns="" xmlns:a14="http://schemas.microsoft.com/office/drawing/2010/main">
                 <a:effectLst>
                   <a:outerShdw dist="35921" dir="2700000" algn="ctr" rotWithShape="0">
                     <a:schemeClr val="bg2"/>
@@ -32679,7 +32679,7 @@
           <a:effectLst/>
           <a:extLst>
             <a:ext uri="{AF507438-7753-43e0-B8FC-AC1667EBCBE1}">
-              <a14:hiddenEffects xmlns:a14="http://schemas.microsoft.com/office/drawing/2010/main" xmlns="">
+              <a14:hiddenEffects xmlns="" xmlns:a14="http://schemas.microsoft.com/office/drawing/2010/main">
                 <a:effectLst>
                   <a:outerShdw dist="35921" dir="2700000" algn="ctr" rotWithShape="0">
                     <a:schemeClr val="bg2"/>
@@ -32761,7 +32761,7 @@
           <a:effectLst/>
           <a:extLst>
             <a:ext uri="{AF507438-7753-43e0-B8FC-AC1667EBCBE1}">
-              <a14:hiddenEffects xmlns:a14="http://schemas.microsoft.com/office/drawing/2010/main" xmlns="">
+              <a14:hiddenEffects xmlns="" xmlns:a14="http://schemas.microsoft.com/office/drawing/2010/main">
                 <a:effectLst>
                   <a:outerShdw dist="35921" dir="2700000" algn="ctr" rotWithShape="0">
                     <a:schemeClr val="bg2"/>
@@ -32843,7 +32843,7 @@
           <a:effectLst/>
           <a:extLst>
             <a:ext uri="{AF507438-7753-43e0-B8FC-AC1667EBCBE1}">
-              <a14:hiddenEffects xmlns:a14="http://schemas.microsoft.com/office/drawing/2010/main" xmlns="">
+              <a14:hiddenEffects xmlns="" xmlns:a14="http://schemas.microsoft.com/office/drawing/2010/main">
                 <a:effectLst>
                   <a:outerShdw dist="35921" dir="2700000" algn="ctr" rotWithShape="0">
                     <a:schemeClr val="bg2"/>
@@ -32920,7 +32920,7 @@
           </a:ln>
           <a:extLst>
             <a:ext uri="{AF507438-7753-43e0-B8FC-AC1667EBCBE1}">
-              <a14:hiddenEffects xmlns:a14="http://schemas.microsoft.com/office/drawing/2010/main" xmlns="">
+              <a14:hiddenEffects xmlns="" xmlns:a14="http://schemas.microsoft.com/office/drawing/2010/main">
                 <a:effectLst>
                   <a:outerShdw dist="35921" dir="2700000" algn="ctr" rotWithShape="0">
                     <a:schemeClr val="bg2"/>
@@ -32975,7 +32975,7 @@
           </a:ln>
           <a:extLst>
             <a:ext uri="{AF507438-7753-43e0-B8FC-AC1667EBCBE1}">
-              <a14:hiddenEffects xmlns:a14="http://schemas.microsoft.com/office/drawing/2010/main" xmlns="">
+              <a14:hiddenEffects xmlns="" xmlns:a14="http://schemas.microsoft.com/office/drawing/2010/main">
                 <a:effectLst>
                   <a:outerShdw dist="35921" dir="2700000" algn="ctr" rotWithShape="0">
                     <a:schemeClr val="bg2"/>
@@ -33033,7 +33033,7 @@
           </a:ln>
           <a:extLst>
             <a:ext uri="{AF507438-7753-43e0-B8FC-AC1667EBCBE1}">
-              <a14:hiddenEffects xmlns:a14="http://schemas.microsoft.com/office/drawing/2010/main" xmlns="">
+              <a14:hiddenEffects xmlns="" xmlns:a14="http://schemas.microsoft.com/office/drawing/2010/main">
                 <a:effectLst>
                   <a:outerShdw dist="35921" dir="2700000" algn="ctr" rotWithShape="0">
                     <a:schemeClr val="bg2"/>
@@ -33088,7 +33088,7 @@
           </a:ln>
           <a:extLst>
             <a:ext uri="{AF507438-7753-43e0-B8FC-AC1667EBCBE1}">
-              <a14:hiddenEffects xmlns:a14="http://schemas.microsoft.com/office/drawing/2010/main" xmlns="">
+              <a14:hiddenEffects xmlns="" xmlns:a14="http://schemas.microsoft.com/office/drawing/2010/main">
                 <a:effectLst>
                   <a:outerShdw dist="35921" dir="2700000" algn="ctr" rotWithShape="0">
                     <a:schemeClr val="bg2"/>
@@ -33143,7 +33143,7 @@
           </a:ln>
           <a:extLst>
             <a:ext uri="{AF507438-7753-43e0-B8FC-AC1667EBCBE1}">
-              <a14:hiddenEffects xmlns:a14="http://schemas.microsoft.com/office/drawing/2010/main" xmlns="">
+              <a14:hiddenEffects xmlns="" xmlns:a14="http://schemas.microsoft.com/office/drawing/2010/main">
                 <a:effectLst>
                   <a:outerShdw dist="35921" dir="2700000" algn="ctr" rotWithShape="0">
                     <a:schemeClr val="bg2"/>
@@ -33201,7 +33201,7 @@
           </a:ln>
           <a:extLst>
             <a:ext uri="{AF507438-7753-43e0-B8FC-AC1667EBCBE1}">
-              <a14:hiddenEffects xmlns:a14="http://schemas.microsoft.com/office/drawing/2010/main" xmlns="">
+              <a14:hiddenEffects xmlns="" xmlns:a14="http://schemas.microsoft.com/office/drawing/2010/main">
                 <a:effectLst>
                   <a:outerShdw dist="35921" dir="2700000" algn="ctr" rotWithShape="0">
                     <a:schemeClr val="bg2"/>
@@ -33411,14 +33411,14 @@
           <a:effectLst/>
           <a:extLst>
             <a:ext uri="{909E8E84-426E-40dd-AFC4-6F175D3DCCD1}">
-              <a14:hiddenFill xmlns="" xmlns:a14="http://schemas.microsoft.com/office/drawing/2010/main">
+              <a14:hiddenFill xmlns:a14="http://schemas.microsoft.com/office/drawing/2010/main" xmlns="">
                 <a:solidFill>
                   <a:schemeClr val="accent1"/>
                 </a:solidFill>
               </a14:hiddenFill>
             </a:ext>
             <a:ext uri="{91240B29-F687-4f45-9708-019B960494DF}">
-              <a14:hiddenLine xmlns="" xmlns:a14="http://schemas.microsoft.com/office/drawing/2010/main" w="9525">
+              <a14:hiddenLine xmlns:a14="http://schemas.microsoft.com/office/drawing/2010/main" xmlns="" w="9525">
                 <a:solidFill>
                   <a:schemeClr val="tx1"/>
                 </a:solidFill>
@@ -33428,7 +33428,7 @@
               </a14:hiddenLine>
             </a:ext>
             <a:ext uri="{AF507438-7753-43e0-B8FC-AC1667EBCBE1}">
-              <a14:hiddenEffects xmlns="" xmlns:a14="http://schemas.microsoft.com/office/drawing/2010/main">
+              <a14:hiddenEffects xmlns:a14="http://schemas.microsoft.com/office/drawing/2010/main" xmlns="">
                 <a:effectLst>
                   <a:outerShdw dist="35921" dir="2700000" algn="ctr" rotWithShape="0">
                     <a:schemeClr val="bg2"/>
@@ -33769,7 +33769,7 @@
           </a:ln>
           <a:extLst>
             <a:ext uri="{AF507438-7753-43e0-B8FC-AC1667EBCBE1}">
-              <a14:hiddenEffects xmlns="" xmlns:a14="http://schemas.microsoft.com/office/drawing/2010/main">
+              <a14:hiddenEffects xmlns:a14="http://schemas.microsoft.com/office/drawing/2010/main" xmlns="">
                 <a:effectLst>
                   <a:outerShdw dist="35921" dir="2700000" algn="ctr" rotWithShape="0">
                     <a:schemeClr val="bg2"/>
@@ -33865,7 +33865,7 @@
           <a:effectLst/>
           <a:extLst>
             <a:ext uri="{AF507438-7753-43e0-B8FC-AC1667EBCBE1}">
-              <a14:hiddenEffects xmlns="" xmlns:a14="http://schemas.microsoft.com/office/drawing/2010/main">
+              <a14:hiddenEffects xmlns:a14="http://schemas.microsoft.com/office/drawing/2010/main" xmlns="">
                 <a:effectLst>
                   <a:outerShdw dist="35921" dir="2700000" algn="ctr" rotWithShape="0">
                     <a:schemeClr val="bg2"/>
@@ -33947,7 +33947,7 @@
           <a:effectLst/>
           <a:extLst>
             <a:ext uri="{AF507438-7753-43e0-B8FC-AC1667EBCBE1}">
-              <a14:hiddenEffects xmlns="" xmlns:a14="http://schemas.microsoft.com/office/drawing/2010/main">
+              <a14:hiddenEffects xmlns:a14="http://schemas.microsoft.com/office/drawing/2010/main" xmlns="">
                 <a:effectLst>
                   <a:outerShdw dist="35921" dir="2700000" algn="ctr" rotWithShape="0">
                     <a:schemeClr val="bg2"/>
@@ -34029,7 +34029,7 @@
           <a:effectLst/>
           <a:extLst>
             <a:ext uri="{AF507438-7753-43e0-B8FC-AC1667EBCBE1}">
-              <a14:hiddenEffects xmlns="" xmlns:a14="http://schemas.microsoft.com/office/drawing/2010/main">
+              <a14:hiddenEffects xmlns:a14="http://schemas.microsoft.com/office/drawing/2010/main" xmlns="">
                 <a:effectLst>
                   <a:outerShdw dist="35921" dir="2700000" algn="ctr" rotWithShape="0">
                     <a:schemeClr val="bg2"/>
@@ -34111,7 +34111,7 @@
           <a:effectLst/>
           <a:extLst>
             <a:ext uri="{AF507438-7753-43e0-B8FC-AC1667EBCBE1}">
-              <a14:hiddenEffects xmlns="" xmlns:a14="http://schemas.microsoft.com/office/drawing/2010/main">
+              <a14:hiddenEffects xmlns:a14="http://schemas.microsoft.com/office/drawing/2010/main" xmlns="">
                 <a:effectLst>
                   <a:outerShdw dist="35921" dir="2700000" algn="ctr" rotWithShape="0">
                     <a:schemeClr val="bg2"/>
@@ -34193,7 +34193,7 @@
           <a:effectLst/>
           <a:extLst>
             <a:ext uri="{AF507438-7753-43e0-B8FC-AC1667EBCBE1}">
-              <a14:hiddenEffects xmlns="" xmlns:a14="http://schemas.microsoft.com/office/drawing/2010/main">
+              <a14:hiddenEffects xmlns:a14="http://schemas.microsoft.com/office/drawing/2010/main" xmlns="">
                 <a:effectLst>
                   <a:outerShdw dist="35921" dir="2700000" algn="ctr" rotWithShape="0">
                     <a:schemeClr val="bg2"/>
@@ -34275,7 +34275,7 @@
           <a:effectLst/>
           <a:extLst>
             <a:ext uri="{AF507438-7753-43e0-B8FC-AC1667EBCBE1}">
-              <a14:hiddenEffects xmlns="" xmlns:a14="http://schemas.microsoft.com/office/drawing/2010/main">
+              <a14:hiddenEffects xmlns:a14="http://schemas.microsoft.com/office/drawing/2010/main" xmlns="">
                 <a:effectLst>
                   <a:outerShdw dist="35921" dir="2700000" algn="ctr" rotWithShape="0">
                     <a:schemeClr val="bg2"/>
@@ -34352,7 +34352,7 @@
           </a:ln>
           <a:extLst>
             <a:ext uri="{AF507438-7753-43e0-B8FC-AC1667EBCBE1}">
-              <a14:hiddenEffects xmlns="" xmlns:a14="http://schemas.microsoft.com/office/drawing/2010/main">
+              <a14:hiddenEffects xmlns:a14="http://schemas.microsoft.com/office/drawing/2010/main" xmlns="">
                 <a:effectLst>
                   <a:outerShdw dist="35921" dir="2700000" algn="ctr" rotWithShape="0">
                     <a:schemeClr val="bg2"/>
@@ -34407,7 +34407,7 @@
           </a:ln>
           <a:extLst>
             <a:ext uri="{AF507438-7753-43e0-B8FC-AC1667EBCBE1}">
-              <a14:hiddenEffects xmlns="" xmlns:a14="http://schemas.microsoft.com/office/drawing/2010/main">
+              <a14:hiddenEffects xmlns:a14="http://schemas.microsoft.com/office/drawing/2010/main" xmlns="">
                 <a:effectLst>
                   <a:outerShdw dist="35921" dir="2700000" algn="ctr" rotWithShape="0">
                     <a:schemeClr val="bg2"/>
@@ -34462,7 +34462,7 @@
           </a:ln>
           <a:extLst>
             <a:ext uri="{AF507438-7753-43e0-B8FC-AC1667EBCBE1}">
-              <a14:hiddenEffects xmlns="" xmlns:a14="http://schemas.microsoft.com/office/drawing/2010/main">
+              <a14:hiddenEffects xmlns:a14="http://schemas.microsoft.com/office/drawing/2010/main" xmlns="">
                 <a:effectLst>
                   <a:outerShdw dist="35921" dir="2700000" algn="ctr" rotWithShape="0">
                     <a:schemeClr val="bg2"/>
@@ -34517,7 +34517,7 @@
           </a:ln>
           <a:extLst>
             <a:ext uri="{AF507438-7753-43e0-B8FC-AC1667EBCBE1}">
-              <a14:hiddenEffects xmlns="" xmlns:a14="http://schemas.microsoft.com/office/drawing/2010/main">
+              <a14:hiddenEffects xmlns:a14="http://schemas.microsoft.com/office/drawing/2010/main" xmlns="">
                 <a:effectLst>
                   <a:outerShdw dist="35921" dir="2700000" algn="ctr" rotWithShape="0">
                     <a:schemeClr val="bg2"/>
@@ -34572,7 +34572,7 @@
           </a:ln>
           <a:extLst>
             <a:ext uri="{AF507438-7753-43e0-B8FC-AC1667EBCBE1}">
-              <a14:hiddenEffects xmlns="" xmlns:a14="http://schemas.microsoft.com/office/drawing/2010/main">
+              <a14:hiddenEffects xmlns:a14="http://schemas.microsoft.com/office/drawing/2010/main" xmlns="">
                 <a:effectLst>
                   <a:outerShdw dist="35921" dir="2700000" algn="ctr" rotWithShape="0">
                     <a:schemeClr val="bg2"/>
@@ -34627,7 +34627,7 @@
           </a:ln>
           <a:extLst>
             <a:ext uri="{AF507438-7753-43e0-B8FC-AC1667EBCBE1}">
-              <a14:hiddenEffects xmlns="" xmlns:a14="http://schemas.microsoft.com/office/drawing/2010/main">
+              <a14:hiddenEffects xmlns:a14="http://schemas.microsoft.com/office/drawing/2010/main" xmlns="">
                 <a:effectLst>
                   <a:outerShdw dist="35921" dir="2700000" algn="ctr" rotWithShape="0">
                     <a:schemeClr val="bg2"/>
@@ -34687,7 +34687,7 @@
           <a:effectLst/>
           <a:extLst>
             <a:ext uri="{AF507438-7753-43e0-B8FC-AC1667EBCBE1}">
-              <a14:hiddenEffects xmlns="" xmlns:a14="http://schemas.microsoft.com/office/drawing/2010/main">
+              <a14:hiddenEffects xmlns:a14="http://schemas.microsoft.com/office/drawing/2010/main" xmlns="">
                 <a:effectLst>
                   <a:outerShdw dist="35921" dir="2700000" algn="ctr" rotWithShape="0">
                     <a:schemeClr val="bg2"/>
@@ -34769,7 +34769,7 @@
           <a:effectLst/>
           <a:extLst>
             <a:ext uri="{AF507438-7753-43e0-B8FC-AC1667EBCBE1}">
-              <a14:hiddenEffects xmlns="" xmlns:a14="http://schemas.microsoft.com/office/drawing/2010/main">
+              <a14:hiddenEffects xmlns:a14="http://schemas.microsoft.com/office/drawing/2010/main" xmlns="">
                 <a:effectLst>
                   <a:outerShdw dist="35921" dir="2700000" algn="ctr" rotWithShape="0">
                     <a:schemeClr val="bg2"/>
@@ -34851,7 +34851,7 @@
           <a:effectLst/>
           <a:extLst>
             <a:ext uri="{AF507438-7753-43e0-B8FC-AC1667EBCBE1}">
-              <a14:hiddenEffects xmlns="" xmlns:a14="http://schemas.microsoft.com/office/drawing/2010/main">
+              <a14:hiddenEffects xmlns:a14="http://schemas.microsoft.com/office/drawing/2010/main" xmlns="">
                 <a:effectLst>
                   <a:outerShdw dist="35921" dir="2700000" algn="ctr" rotWithShape="0">
                     <a:schemeClr val="bg2"/>
@@ -34933,7 +34933,7 @@
           <a:effectLst/>
           <a:extLst>
             <a:ext uri="{AF507438-7753-43e0-B8FC-AC1667EBCBE1}">
-              <a14:hiddenEffects xmlns="" xmlns:a14="http://schemas.microsoft.com/office/drawing/2010/main">
+              <a14:hiddenEffects xmlns:a14="http://schemas.microsoft.com/office/drawing/2010/main" xmlns="">
                 <a:effectLst>
                   <a:outerShdw dist="35921" dir="2700000" algn="ctr" rotWithShape="0">
                     <a:schemeClr val="bg2"/>
@@ -35015,7 +35015,7 @@
           <a:effectLst/>
           <a:extLst>
             <a:ext uri="{AF507438-7753-43e0-B8FC-AC1667EBCBE1}">
-              <a14:hiddenEffects xmlns="" xmlns:a14="http://schemas.microsoft.com/office/drawing/2010/main">
+              <a14:hiddenEffects xmlns:a14="http://schemas.microsoft.com/office/drawing/2010/main" xmlns="">
                 <a:effectLst>
                   <a:outerShdw dist="35921" dir="2700000" algn="ctr" rotWithShape="0">
                     <a:schemeClr val="bg2"/>
@@ -35097,7 +35097,7 @@
           <a:effectLst/>
           <a:extLst>
             <a:ext uri="{AF507438-7753-43e0-B8FC-AC1667EBCBE1}">
-              <a14:hiddenEffects xmlns="" xmlns:a14="http://schemas.microsoft.com/office/drawing/2010/main">
+              <a14:hiddenEffects xmlns:a14="http://schemas.microsoft.com/office/drawing/2010/main" xmlns="">
                 <a:effectLst>
                   <a:outerShdw dist="35921" dir="2700000" algn="ctr" rotWithShape="0">
                     <a:schemeClr val="bg2"/>
@@ -35174,7 +35174,7 @@
           </a:ln>
           <a:extLst>
             <a:ext uri="{AF507438-7753-43e0-B8FC-AC1667EBCBE1}">
-              <a14:hiddenEffects xmlns="" xmlns:a14="http://schemas.microsoft.com/office/drawing/2010/main">
+              <a14:hiddenEffects xmlns:a14="http://schemas.microsoft.com/office/drawing/2010/main" xmlns="">
                 <a:effectLst>
                   <a:outerShdw dist="35921" dir="2700000" algn="ctr" rotWithShape="0">
                     <a:schemeClr val="bg2"/>
@@ -35229,7 +35229,7 @@
           </a:ln>
           <a:extLst>
             <a:ext uri="{AF507438-7753-43e0-B8FC-AC1667EBCBE1}">
-              <a14:hiddenEffects xmlns="" xmlns:a14="http://schemas.microsoft.com/office/drawing/2010/main">
+              <a14:hiddenEffects xmlns:a14="http://schemas.microsoft.com/office/drawing/2010/main" xmlns="">
                 <a:effectLst>
                   <a:outerShdw dist="35921" dir="2700000" algn="ctr" rotWithShape="0">
                     <a:schemeClr val="bg2"/>
@@ -35283,7 +35283,7 @@
           </a:ln>
           <a:extLst>
             <a:ext uri="{AF507438-7753-43e0-B8FC-AC1667EBCBE1}">
-              <a14:hiddenEffects xmlns="" xmlns:a14="http://schemas.microsoft.com/office/drawing/2010/main">
+              <a14:hiddenEffects xmlns:a14="http://schemas.microsoft.com/office/drawing/2010/main" xmlns="">
                 <a:effectLst>
                   <a:outerShdw dist="35921" dir="2700000" algn="ctr" rotWithShape="0">
                     <a:schemeClr val="bg2"/>
@@ -35338,7 +35338,7 @@
           </a:ln>
           <a:extLst>
             <a:ext uri="{AF507438-7753-43e0-B8FC-AC1667EBCBE1}">
-              <a14:hiddenEffects xmlns="" xmlns:a14="http://schemas.microsoft.com/office/drawing/2010/main">
+              <a14:hiddenEffects xmlns:a14="http://schemas.microsoft.com/office/drawing/2010/main" xmlns="">
                 <a:effectLst>
                   <a:outerShdw dist="35921" dir="2700000" algn="ctr" rotWithShape="0">
                     <a:schemeClr val="bg2"/>
@@ -35393,7 +35393,7 @@
           </a:ln>
           <a:extLst>
             <a:ext uri="{AF507438-7753-43e0-B8FC-AC1667EBCBE1}">
-              <a14:hiddenEffects xmlns="" xmlns:a14="http://schemas.microsoft.com/office/drawing/2010/main">
+              <a14:hiddenEffects xmlns:a14="http://schemas.microsoft.com/office/drawing/2010/main" xmlns="">
                 <a:effectLst>
                   <a:outerShdw dist="35921" dir="2700000" algn="ctr" rotWithShape="0">
                     <a:schemeClr val="bg2"/>
@@ -35448,7 +35448,7 @@
           </a:ln>
           <a:extLst>
             <a:ext uri="{AF507438-7753-43e0-B8FC-AC1667EBCBE1}">
-              <a14:hiddenEffects xmlns="" xmlns:a14="http://schemas.microsoft.com/office/drawing/2010/main">
+              <a14:hiddenEffects xmlns:a14="http://schemas.microsoft.com/office/drawing/2010/main" xmlns="">
                 <a:effectLst>
                   <a:outerShdw dist="35921" dir="2700000" algn="ctr" rotWithShape="0">
                     <a:schemeClr val="bg2"/>
@@ -35499,7 +35499,7 @@
           </a:ln>
           <a:extLst>
             <a:ext uri="{AF507438-7753-43e0-B8FC-AC1667EBCBE1}">
-              <a14:hiddenEffects xmlns="" xmlns:a14="http://schemas.microsoft.com/office/drawing/2010/main">
+              <a14:hiddenEffects xmlns:a14="http://schemas.microsoft.com/office/drawing/2010/main" xmlns="">
                 <a:effectLst>
                   <a:outerShdw dist="35921" dir="2700000" algn="ctr" rotWithShape="0">
                     <a:schemeClr val="bg2"/>
@@ -35559,7 +35559,7 @@
           <a:effectLst/>
           <a:extLst>
             <a:ext uri="{AF507438-7753-43e0-B8FC-AC1667EBCBE1}">
-              <a14:hiddenEffects xmlns="" xmlns:a14="http://schemas.microsoft.com/office/drawing/2010/main">
+              <a14:hiddenEffects xmlns:a14="http://schemas.microsoft.com/office/drawing/2010/main" xmlns="">
                 <a:effectLst>
                   <a:outerShdw dist="35921" dir="2700000" algn="ctr" rotWithShape="0">
                     <a:schemeClr val="bg2"/>
@@ -35641,7 +35641,7 @@
           <a:effectLst/>
           <a:extLst>
             <a:ext uri="{AF507438-7753-43e0-B8FC-AC1667EBCBE1}">
-              <a14:hiddenEffects xmlns="" xmlns:a14="http://schemas.microsoft.com/office/drawing/2010/main">
+              <a14:hiddenEffects xmlns:a14="http://schemas.microsoft.com/office/drawing/2010/main" xmlns="">
                 <a:effectLst>
                   <a:outerShdw dist="35921" dir="2700000" algn="ctr" rotWithShape="0">
                     <a:schemeClr val="bg2"/>
@@ -35723,7 +35723,7 @@
           <a:effectLst/>
           <a:extLst>
             <a:ext uri="{AF507438-7753-43e0-B8FC-AC1667EBCBE1}">
-              <a14:hiddenEffects xmlns="" xmlns:a14="http://schemas.microsoft.com/office/drawing/2010/main">
+              <a14:hiddenEffects xmlns:a14="http://schemas.microsoft.com/office/drawing/2010/main" xmlns="">
                 <a:effectLst>
                   <a:outerShdw dist="35921" dir="2700000" algn="ctr" rotWithShape="0">
                     <a:schemeClr val="bg2"/>
@@ -35805,7 +35805,7 @@
           <a:effectLst/>
           <a:extLst>
             <a:ext uri="{AF507438-7753-43e0-B8FC-AC1667EBCBE1}">
-              <a14:hiddenEffects xmlns="" xmlns:a14="http://schemas.microsoft.com/office/drawing/2010/main">
+              <a14:hiddenEffects xmlns:a14="http://schemas.microsoft.com/office/drawing/2010/main" xmlns="">
                 <a:effectLst>
                   <a:outerShdw dist="35921" dir="2700000" algn="ctr" rotWithShape="0">
                     <a:schemeClr val="bg2"/>
@@ -35887,7 +35887,7 @@
           <a:effectLst/>
           <a:extLst>
             <a:ext uri="{AF507438-7753-43e0-B8FC-AC1667EBCBE1}">
-              <a14:hiddenEffects xmlns="" xmlns:a14="http://schemas.microsoft.com/office/drawing/2010/main">
+              <a14:hiddenEffects xmlns:a14="http://schemas.microsoft.com/office/drawing/2010/main" xmlns="">
                 <a:effectLst>
                   <a:outerShdw dist="35921" dir="2700000" algn="ctr" rotWithShape="0">
                     <a:schemeClr val="bg2"/>
@@ -35969,7 +35969,7 @@
           <a:effectLst/>
           <a:extLst>
             <a:ext uri="{AF507438-7753-43e0-B8FC-AC1667EBCBE1}">
-              <a14:hiddenEffects xmlns="" xmlns:a14="http://schemas.microsoft.com/office/drawing/2010/main">
+              <a14:hiddenEffects xmlns:a14="http://schemas.microsoft.com/office/drawing/2010/main" xmlns="">
                 <a:effectLst>
                   <a:outerShdw dist="35921" dir="2700000" algn="ctr" rotWithShape="0">
                     <a:schemeClr val="bg2"/>
@@ -36046,7 +36046,7 @@
           </a:ln>
           <a:extLst>
             <a:ext uri="{AF507438-7753-43e0-B8FC-AC1667EBCBE1}">
-              <a14:hiddenEffects xmlns="" xmlns:a14="http://schemas.microsoft.com/office/drawing/2010/main">
+              <a14:hiddenEffects xmlns:a14="http://schemas.microsoft.com/office/drawing/2010/main" xmlns="">
                 <a:effectLst>
                   <a:outerShdw dist="35921" dir="2700000" algn="ctr" rotWithShape="0">
                     <a:schemeClr val="bg2"/>
@@ -36101,7 +36101,7 @@
           </a:ln>
           <a:extLst>
             <a:ext uri="{AF507438-7753-43e0-B8FC-AC1667EBCBE1}">
-              <a14:hiddenEffects xmlns="" xmlns:a14="http://schemas.microsoft.com/office/drawing/2010/main">
+              <a14:hiddenEffects xmlns:a14="http://schemas.microsoft.com/office/drawing/2010/main" xmlns="">
                 <a:effectLst>
                   <a:outerShdw dist="35921" dir="2700000" algn="ctr" rotWithShape="0">
                     <a:schemeClr val="bg2"/>
@@ -36156,7 +36156,7 @@
           </a:ln>
           <a:extLst>
             <a:ext uri="{AF507438-7753-43e0-B8FC-AC1667EBCBE1}">
-              <a14:hiddenEffects xmlns="" xmlns:a14="http://schemas.microsoft.com/office/drawing/2010/main">
+              <a14:hiddenEffects xmlns:a14="http://schemas.microsoft.com/office/drawing/2010/main" xmlns="">
                 <a:effectLst>
                   <a:outerShdw dist="35921" dir="2700000" algn="ctr" rotWithShape="0">
                     <a:schemeClr val="bg2"/>
@@ -36211,7 +36211,7 @@
           </a:ln>
           <a:extLst>
             <a:ext uri="{AF507438-7753-43e0-B8FC-AC1667EBCBE1}">
-              <a14:hiddenEffects xmlns="" xmlns:a14="http://schemas.microsoft.com/office/drawing/2010/main">
+              <a14:hiddenEffects xmlns:a14="http://schemas.microsoft.com/office/drawing/2010/main" xmlns="">
                 <a:effectLst>
                   <a:outerShdw dist="35921" dir="2700000" algn="ctr" rotWithShape="0">
                     <a:schemeClr val="bg2"/>
@@ -36266,7 +36266,7 @@
           </a:ln>
           <a:extLst>
             <a:ext uri="{AF507438-7753-43e0-B8FC-AC1667EBCBE1}">
-              <a14:hiddenEffects xmlns="" xmlns:a14="http://schemas.microsoft.com/office/drawing/2010/main">
+              <a14:hiddenEffects xmlns:a14="http://schemas.microsoft.com/office/drawing/2010/main" xmlns="">
                 <a:effectLst>
                   <a:outerShdw dist="35921" dir="2700000" algn="ctr" rotWithShape="0">
                     <a:schemeClr val="bg2"/>
@@ -36321,7 +36321,7 @@
           </a:ln>
           <a:extLst>
             <a:ext uri="{AF507438-7753-43e0-B8FC-AC1667EBCBE1}">
-              <a14:hiddenEffects xmlns="" xmlns:a14="http://schemas.microsoft.com/office/drawing/2010/main">
+              <a14:hiddenEffects xmlns:a14="http://schemas.microsoft.com/office/drawing/2010/main" xmlns="">
                 <a:effectLst>
                   <a:outerShdw dist="35921" dir="2700000" algn="ctr" rotWithShape="0">
                     <a:schemeClr val="bg2"/>
@@ -36372,7 +36372,7 @@
           </a:ln>
           <a:extLst>
             <a:ext uri="{AF507438-7753-43e0-B8FC-AC1667EBCBE1}">
-              <a14:hiddenEffects xmlns="" xmlns:a14="http://schemas.microsoft.com/office/drawing/2010/main">
+              <a14:hiddenEffects xmlns:a14="http://schemas.microsoft.com/office/drawing/2010/main" xmlns="">
                 <a:effectLst>
                   <a:outerShdw dist="35921" dir="2700000" algn="ctr" rotWithShape="0">
                     <a:schemeClr val="bg2"/>
@@ -36423,7 +36423,7 @@
           </a:ln>
           <a:extLst>
             <a:ext uri="{AF507438-7753-43e0-B8FC-AC1667EBCBE1}">
-              <a14:hiddenEffects xmlns="" xmlns:a14="http://schemas.microsoft.com/office/drawing/2010/main">
+              <a14:hiddenEffects xmlns:a14="http://schemas.microsoft.com/office/drawing/2010/main" xmlns="">
                 <a:effectLst>
                   <a:outerShdw dist="35921" dir="2700000" algn="ctr" rotWithShape="0">
                     <a:schemeClr val="bg2"/>
@@ -36519,7 +36519,7 @@
           <a:effectLst/>
           <a:extLst>
             <a:ext uri="{AF507438-7753-43e0-B8FC-AC1667EBCBE1}">
-              <a14:hiddenEffects xmlns="" xmlns:a14="http://schemas.microsoft.com/office/drawing/2010/main">
+              <a14:hiddenEffects xmlns:a14="http://schemas.microsoft.com/office/drawing/2010/main" xmlns="">
                 <a:effectLst>
                   <a:outerShdw dist="35921" dir="2700000" algn="ctr" rotWithShape="0">
                     <a:schemeClr val="bg2"/>
@@ -36601,7 +36601,7 @@
           <a:effectLst/>
           <a:extLst>
             <a:ext uri="{AF507438-7753-43e0-B8FC-AC1667EBCBE1}">
-              <a14:hiddenEffects xmlns="" xmlns:a14="http://schemas.microsoft.com/office/drawing/2010/main">
+              <a14:hiddenEffects xmlns:a14="http://schemas.microsoft.com/office/drawing/2010/main" xmlns="">
                 <a:effectLst>
                   <a:outerShdw dist="35921" dir="2700000" algn="ctr" rotWithShape="0">
                     <a:schemeClr val="bg2"/>
@@ -36683,7 +36683,7 @@
           <a:effectLst/>
           <a:extLst>
             <a:ext uri="{AF507438-7753-43e0-B8FC-AC1667EBCBE1}">
-              <a14:hiddenEffects xmlns="" xmlns:a14="http://schemas.microsoft.com/office/drawing/2010/main">
+              <a14:hiddenEffects xmlns:a14="http://schemas.microsoft.com/office/drawing/2010/main" xmlns="">
                 <a:effectLst>
                   <a:outerShdw dist="35921" dir="2700000" algn="ctr" rotWithShape="0">
                     <a:schemeClr val="bg2"/>
@@ -36765,7 +36765,7 @@
           <a:effectLst/>
           <a:extLst>
             <a:ext uri="{AF507438-7753-43e0-B8FC-AC1667EBCBE1}">
-              <a14:hiddenEffects xmlns="" xmlns:a14="http://schemas.microsoft.com/office/drawing/2010/main">
+              <a14:hiddenEffects xmlns:a14="http://schemas.microsoft.com/office/drawing/2010/main" xmlns="">
                 <a:effectLst>
                   <a:outerShdw dist="35921" dir="2700000" algn="ctr" rotWithShape="0">
                     <a:schemeClr val="bg2"/>
@@ -36847,7 +36847,7 @@
           <a:effectLst/>
           <a:extLst>
             <a:ext uri="{AF507438-7753-43e0-B8FC-AC1667EBCBE1}">
-              <a14:hiddenEffects xmlns="" xmlns:a14="http://schemas.microsoft.com/office/drawing/2010/main">
+              <a14:hiddenEffects xmlns:a14="http://schemas.microsoft.com/office/drawing/2010/main" xmlns="">
                 <a:effectLst>
                   <a:outerShdw dist="35921" dir="2700000" algn="ctr" rotWithShape="0">
                     <a:schemeClr val="bg2"/>
@@ -36929,7 +36929,7 @@
           <a:effectLst/>
           <a:extLst>
             <a:ext uri="{AF507438-7753-43e0-B8FC-AC1667EBCBE1}">
-              <a14:hiddenEffects xmlns="" xmlns:a14="http://schemas.microsoft.com/office/drawing/2010/main">
+              <a14:hiddenEffects xmlns:a14="http://schemas.microsoft.com/office/drawing/2010/main" xmlns="">
                 <a:effectLst>
                   <a:outerShdw dist="35921" dir="2700000" algn="ctr" rotWithShape="0">
                     <a:schemeClr val="bg2"/>
@@ -37006,7 +37006,7 @@
           </a:ln>
           <a:extLst>
             <a:ext uri="{AF507438-7753-43e0-B8FC-AC1667EBCBE1}">
-              <a14:hiddenEffects xmlns="" xmlns:a14="http://schemas.microsoft.com/office/drawing/2010/main">
+              <a14:hiddenEffects xmlns:a14="http://schemas.microsoft.com/office/drawing/2010/main" xmlns="">
                 <a:effectLst>
                   <a:outerShdw dist="35921" dir="2700000" algn="ctr" rotWithShape="0">
                     <a:schemeClr val="bg2"/>
@@ -37061,7 +37061,7 @@
           </a:ln>
           <a:extLst>
             <a:ext uri="{AF507438-7753-43e0-B8FC-AC1667EBCBE1}">
-              <a14:hiddenEffects xmlns="" xmlns:a14="http://schemas.microsoft.com/office/drawing/2010/main">
+              <a14:hiddenEffects xmlns:a14="http://schemas.microsoft.com/office/drawing/2010/main" xmlns="">
                 <a:effectLst>
                   <a:outerShdw dist="35921" dir="2700000" algn="ctr" rotWithShape="0">
                     <a:schemeClr val="bg2"/>
@@ -37116,7 +37116,7 @@
           </a:ln>
           <a:extLst>
             <a:ext uri="{AF507438-7753-43e0-B8FC-AC1667EBCBE1}">
-              <a14:hiddenEffects xmlns="" xmlns:a14="http://schemas.microsoft.com/office/drawing/2010/main">
+              <a14:hiddenEffects xmlns:a14="http://schemas.microsoft.com/office/drawing/2010/main" xmlns="">
                 <a:effectLst>
                   <a:outerShdw dist="35921" dir="2700000" algn="ctr" rotWithShape="0">
                     <a:schemeClr val="bg2"/>
@@ -37171,7 +37171,7 @@
           </a:ln>
           <a:extLst>
             <a:ext uri="{AF507438-7753-43e0-B8FC-AC1667EBCBE1}">
-              <a14:hiddenEffects xmlns="" xmlns:a14="http://schemas.microsoft.com/office/drawing/2010/main">
+              <a14:hiddenEffects xmlns:a14="http://schemas.microsoft.com/office/drawing/2010/main" xmlns="">
                 <a:effectLst>
                   <a:outerShdw dist="35921" dir="2700000" algn="ctr" rotWithShape="0">
                     <a:schemeClr val="bg2"/>
@@ -37226,7 +37226,7 @@
           </a:ln>
           <a:extLst>
             <a:ext uri="{AF507438-7753-43e0-B8FC-AC1667EBCBE1}">
-              <a14:hiddenEffects xmlns="" xmlns:a14="http://schemas.microsoft.com/office/drawing/2010/main">
+              <a14:hiddenEffects xmlns:a14="http://schemas.microsoft.com/office/drawing/2010/main" xmlns="">
                 <a:effectLst>
                   <a:outerShdw dist="35921" dir="2700000" algn="ctr" rotWithShape="0">
                     <a:schemeClr val="bg2"/>
@@ -37281,7 +37281,7 @@
           </a:ln>
           <a:extLst>
             <a:ext uri="{AF507438-7753-43e0-B8FC-AC1667EBCBE1}">
-              <a14:hiddenEffects xmlns="" xmlns:a14="http://schemas.microsoft.com/office/drawing/2010/main">
+              <a14:hiddenEffects xmlns:a14="http://schemas.microsoft.com/office/drawing/2010/main" xmlns="">
                 <a:effectLst>
                   <a:outerShdw dist="35921" dir="2700000" algn="ctr" rotWithShape="0">
                     <a:schemeClr val="bg2"/>
@@ -37334,7 +37334,7 @@
           </a:ln>
           <a:extLst>
             <a:ext uri="{AF507438-7753-43e0-B8FC-AC1667EBCBE1}">
-              <a14:hiddenEffects xmlns="" xmlns:a14="http://schemas.microsoft.com/office/drawing/2010/main">
+              <a14:hiddenEffects xmlns:a14="http://schemas.microsoft.com/office/drawing/2010/main" xmlns="">
                 <a:effectLst>
                   <a:outerShdw dist="35921" dir="2700000" algn="ctr" rotWithShape="0">
                     <a:schemeClr val="bg2"/>
@@ -37511,7 +37511,7 @@
           <a:effectLst/>
           <a:extLst>
             <a:ext uri="{AF507438-7753-43e0-B8FC-AC1667EBCBE1}">
-              <a14:hiddenEffects xmlns="" xmlns:a14="http://schemas.microsoft.com/office/drawing/2010/main">
+              <a14:hiddenEffects xmlns:a14="http://schemas.microsoft.com/office/drawing/2010/main" xmlns="">
                 <a:effectLst>
                   <a:outerShdw dist="35921" dir="2700000" algn="ctr" rotWithShape="0">
                     <a:schemeClr val="bg2"/>
@@ -37593,7 +37593,7 @@
           <a:effectLst/>
           <a:extLst>
             <a:ext uri="{AF507438-7753-43e0-B8FC-AC1667EBCBE1}">
-              <a14:hiddenEffects xmlns="" xmlns:a14="http://schemas.microsoft.com/office/drawing/2010/main">
+              <a14:hiddenEffects xmlns:a14="http://schemas.microsoft.com/office/drawing/2010/main" xmlns="">
                 <a:effectLst>
                   <a:outerShdw dist="35921" dir="2700000" algn="ctr" rotWithShape="0">
                     <a:schemeClr val="bg2"/>
@@ -37675,7 +37675,7 @@
           <a:effectLst/>
           <a:extLst>
             <a:ext uri="{AF507438-7753-43e0-B8FC-AC1667EBCBE1}">
-              <a14:hiddenEffects xmlns="" xmlns:a14="http://schemas.microsoft.com/office/drawing/2010/main">
+              <a14:hiddenEffects xmlns:a14="http://schemas.microsoft.com/office/drawing/2010/main" xmlns="">
                 <a:effectLst>
                   <a:outerShdw dist="35921" dir="2700000" algn="ctr" rotWithShape="0">
                     <a:schemeClr val="bg2"/>
@@ -37757,7 +37757,7 @@
           <a:effectLst/>
           <a:extLst>
             <a:ext uri="{AF507438-7753-43e0-B8FC-AC1667EBCBE1}">
-              <a14:hiddenEffects xmlns="" xmlns:a14="http://schemas.microsoft.com/office/drawing/2010/main">
+              <a14:hiddenEffects xmlns:a14="http://schemas.microsoft.com/office/drawing/2010/main" xmlns="">
                 <a:effectLst>
                   <a:outerShdw dist="35921" dir="2700000" algn="ctr" rotWithShape="0">
                     <a:schemeClr val="bg2"/>
@@ -37839,7 +37839,7 @@
           <a:effectLst/>
           <a:extLst>
             <a:ext uri="{AF507438-7753-43e0-B8FC-AC1667EBCBE1}">
-              <a14:hiddenEffects xmlns="" xmlns:a14="http://schemas.microsoft.com/office/drawing/2010/main">
+              <a14:hiddenEffects xmlns:a14="http://schemas.microsoft.com/office/drawing/2010/main" xmlns="">
                 <a:effectLst>
                   <a:outerShdw dist="35921" dir="2700000" algn="ctr" rotWithShape="0">
                     <a:schemeClr val="bg2"/>
@@ -37921,7 +37921,7 @@
           <a:effectLst/>
           <a:extLst>
             <a:ext uri="{AF507438-7753-43e0-B8FC-AC1667EBCBE1}">
-              <a14:hiddenEffects xmlns="" xmlns:a14="http://schemas.microsoft.com/office/drawing/2010/main">
+              <a14:hiddenEffects xmlns:a14="http://schemas.microsoft.com/office/drawing/2010/main" xmlns="">
                 <a:effectLst>
                   <a:outerShdw dist="35921" dir="2700000" algn="ctr" rotWithShape="0">
                     <a:schemeClr val="bg2"/>
@@ -37998,7 +37998,7 @@
           </a:ln>
           <a:extLst>
             <a:ext uri="{AF507438-7753-43e0-B8FC-AC1667EBCBE1}">
-              <a14:hiddenEffects xmlns="" xmlns:a14="http://schemas.microsoft.com/office/drawing/2010/main">
+              <a14:hiddenEffects xmlns:a14="http://schemas.microsoft.com/office/drawing/2010/main" xmlns="">
                 <a:effectLst>
                   <a:outerShdw dist="35921" dir="2700000" algn="ctr" rotWithShape="0">
                     <a:schemeClr val="bg2"/>
@@ -38053,7 +38053,7 @@
           </a:ln>
           <a:extLst>
             <a:ext uri="{AF507438-7753-43e0-B8FC-AC1667EBCBE1}">
-              <a14:hiddenEffects xmlns="" xmlns:a14="http://schemas.microsoft.com/office/drawing/2010/main">
+              <a14:hiddenEffects xmlns:a14="http://schemas.microsoft.com/office/drawing/2010/main" xmlns="">
                 <a:effectLst>
                   <a:outerShdw dist="35921" dir="2700000" algn="ctr" rotWithShape="0">
                     <a:schemeClr val="bg2"/>
@@ -38107,7 +38107,7 @@
           </a:ln>
           <a:extLst>
             <a:ext uri="{AF507438-7753-43e0-B8FC-AC1667EBCBE1}">
-              <a14:hiddenEffects xmlns="" xmlns:a14="http://schemas.microsoft.com/office/drawing/2010/main">
+              <a14:hiddenEffects xmlns:a14="http://schemas.microsoft.com/office/drawing/2010/main" xmlns="">
                 <a:effectLst>
                   <a:outerShdw dist="35921" dir="2700000" algn="ctr" rotWithShape="0">
                     <a:schemeClr val="bg2"/>
@@ -38162,7 +38162,7 @@
           </a:ln>
           <a:extLst>
             <a:ext uri="{AF507438-7753-43e0-B8FC-AC1667EBCBE1}">
-              <a14:hiddenEffects xmlns="" xmlns:a14="http://schemas.microsoft.com/office/drawing/2010/main">
+              <a14:hiddenEffects xmlns:a14="http://schemas.microsoft.com/office/drawing/2010/main" xmlns="">
                 <a:effectLst>
                   <a:outerShdw dist="35921" dir="2700000" algn="ctr" rotWithShape="0">
                     <a:schemeClr val="bg2"/>
@@ -38217,7 +38217,7 @@
           </a:ln>
           <a:extLst>
             <a:ext uri="{AF507438-7753-43e0-B8FC-AC1667EBCBE1}">
-              <a14:hiddenEffects xmlns="" xmlns:a14="http://schemas.microsoft.com/office/drawing/2010/main">
+              <a14:hiddenEffects xmlns:a14="http://schemas.microsoft.com/office/drawing/2010/main" xmlns="">
                 <a:effectLst>
                   <a:outerShdw dist="35921" dir="2700000" algn="ctr" rotWithShape="0">
                     <a:schemeClr val="bg2"/>
@@ -38272,7 +38272,7 @@
           </a:ln>
           <a:extLst>
             <a:ext uri="{AF507438-7753-43e0-B8FC-AC1667EBCBE1}">
-              <a14:hiddenEffects xmlns="" xmlns:a14="http://schemas.microsoft.com/office/drawing/2010/main">
+              <a14:hiddenEffects xmlns:a14="http://schemas.microsoft.com/office/drawing/2010/main" xmlns="">
                 <a:effectLst>
                   <a:outerShdw dist="35921" dir="2700000" algn="ctr" rotWithShape="0">
                     <a:schemeClr val="bg2"/>
@@ -38332,7 +38332,7 @@
           <a:effectLst/>
           <a:extLst>
             <a:ext uri="{AF507438-7753-43e0-B8FC-AC1667EBCBE1}">
-              <a14:hiddenEffects xmlns="" xmlns:a14="http://schemas.microsoft.com/office/drawing/2010/main">
+              <a14:hiddenEffects xmlns:a14="http://schemas.microsoft.com/office/drawing/2010/main" xmlns="">
                 <a:effectLst>
                   <a:outerShdw dist="35921" dir="2700000" algn="ctr" rotWithShape="0">
                     <a:schemeClr val="bg2"/>
@@ -38414,7 +38414,7 @@
           <a:effectLst/>
           <a:extLst>
             <a:ext uri="{AF507438-7753-43e0-B8FC-AC1667EBCBE1}">
-              <a14:hiddenEffects xmlns="" xmlns:a14="http://schemas.microsoft.com/office/drawing/2010/main">
+              <a14:hiddenEffects xmlns:a14="http://schemas.microsoft.com/office/drawing/2010/main" xmlns="">
                 <a:effectLst>
                   <a:outerShdw dist="35921" dir="2700000" algn="ctr" rotWithShape="0">
                     <a:schemeClr val="bg2"/>
@@ -38496,7 +38496,7 @@
           <a:effectLst/>
           <a:extLst>
             <a:ext uri="{AF507438-7753-43e0-B8FC-AC1667EBCBE1}">
-              <a14:hiddenEffects xmlns="" xmlns:a14="http://schemas.microsoft.com/office/drawing/2010/main">
+              <a14:hiddenEffects xmlns:a14="http://schemas.microsoft.com/office/drawing/2010/main" xmlns="">
                 <a:effectLst>
                   <a:outerShdw dist="35921" dir="2700000" algn="ctr" rotWithShape="0">
                     <a:schemeClr val="bg2"/>
@@ -38578,7 +38578,7 @@
           <a:effectLst/>
           <a:extLst>
             <a:ext uri="{AF507438-7753-43e0-B8FC-AC1667EBCBE1}">
-              <a14:hiddenEffects xmlns="" xmlns:a14="http://schemas.microsoft.com/office/drawing/2010/main">
+              <a14:hiddenEffects xmlns:a14="http://schemas.microsoft.com/office/drawing/2010/main" xmlns="">
                 <a:effectLst>
                   <a:outerShdw dist="35921" dir="2700000" algn="ctr" rotWithShape="0">
                     <a:schemeClr val="bg2"/>
@@ -38660,7 +38660,7 @@
           <a:effectLst/>
           <a:extLst>
             <a:ext uri="{AF507438-7753-43e0-B8FC-AC1667EBCBE1}">
-              <a14:hiddenEffects xmlns="" xmlns:a14="http://schemas.microsoft.com/office/drawing/2010/main">
+              <a14:hiddenEffects xmlns:a14="http://schemas.microsoft.com/office/drawing/2010/main" xmlns="">
                 <a:effectLst>
                   <a:outerShdw dist="35921" dir="2700000" algn="ctr" rotWithShape="0">
                     <a:schemeClr val="bg2"/>
@@ -38742,7 +38742,7 @@
           <a:effectLst/>
           <a:extLst>
             <a:ext uri="{AF507438-7753-43e0-B8FC-AC1667EBCBE1}">
-              <a14:hiddenEffects xmlns="" xmlns:a14="http://schemas.microsoft.com/office/drawing/2010/main">
+              <a14:hiddenEffects xmlns:a14="http://schemas.microsoft.com/office/drawing/2010/main" xmlns="">
                 <a:effectLst>
                   <a:outerShdw dist="35921" dir="2700000" algn="ctr" rotWithShape="0">
                     <a:schemeClr val="bg2"/>
@@ -38819,7 +38819,7 @@
           </a:ln>
           <a:extLst>
             <a:ext uri="{AF507438-7753-43e0-B8FC-AC1667EBCBE1}">
-              <a14:hiddenEffects xmlns="" xmlns:a14="http://schemas.microsoft.com/office/drawing/2010/main">
+              <a14:hiddenEffects xmlns:a14="http://schemas.microsoft.com/office/drawing/2010/main" xmlns="">
                 <a:effectLst>
                   <a:outerShdw dist="35921" dir="2700000" algn="ctr" rotWithShape="0">
                     <a:schemeClr val="bg2"/>
@@ -38874,7 +38874,7 @@
           </a:ln>
           <a:extLst>
             <a:ext uri="{AF507438-7753-43e0-B8FC-AC1667EBCBE1}">
-              <a14:hiddenEffects xmlns="" xmlns:a14="http://schemas.microsoft.com/office/drawing/2010/main">
+              <a14:hiddenEffects xmlns:a14="http://schemas.microsoft.com/office/drawing/2010/main" xmlns="">
                 <a:effectLst>
                   <a:outerShdw dist="35921" dir="2700000" algn="ctr" rotWithShape="0">
                     <a:schemeClr val="bg2"/>
@@ -38928,7 +38928,7 @@
           </a:ln>
           <a:extLst>
             <a:ext uri="{AF507438-7753-43e0-B8FC-AC1667EBCBE1}">
-              <a14:hiddenEffects xmlns="" xmlns:a14="http://schemas.microsoft.com/office/drawing/2010/main">
+              <a14:hiddenEffects xmlns:a14="http://schemas.microsoft.com/office/drawing/2010/main" xmlns="">
                 <a:effectLst>
                   <a:outerShdw dist="35921" dir="2700000" algn="ctr" rotWithShape="0">
                     <a:schemeClr val="bg2"/>
@@ -38983,7 +38983,7 @@
           </a:ln>
           <a:extLst>
             <a:ext uri="{AF507438-7753-43e0-B8FC-AC1667EBCBE1}">
-              <a14:hiddenEffects xmlns="" xmlns:a14="http://schemas.microsoft.com/office/drawing/2010/main">
+              <a14:hiddenEffects xmlns:a14="http://schemas.microsoft.com/office/drawing/2010/main" xmlns="">
                 <a:effectLst>
                   <a:outerShdw dist="35921" dir="2700000" algn="ctr" rotWithShape="0">
                     <a:schemeClr val="bg2"/>
@@ -39038,7 +39038,7 @@
           </a:ln>
           <a:extLst>
             <a:ext uri="{AF507438-7753-43e0-B8FC-AC1667EBCBE1}">
-              <a14:hiddenEffects xmlns="" xmlns:a14="http://schemas.microsoft.com/office/drawing/2010/main">
+              <a14:hiddenEffects xmlns:a14="http://schemas.microsoft.com/office/drawing/2010/main" xmlns="">
                 <a:effectLst>
                   <a:outerShdw dist="35921" dir="2700000" algn="ctr" rotWithShape="0">
                     <a:schemeClr val="bg2"/>
@@ -39093,7 +39093,7 @@
           </a:ln>
           <a:extLst>
             <a:ext uri="{AF507438-7753-43e0-B8FC-AC1667EBCBE1}">
-              <a14:hiddenEffects xmlns="" xmlns:a14="http://schemas.microsoft.com/office/drawing/2010/main">
+              <a14:hiddenEffects xmlns:a14="http://schemas.microsoft.com/office/drawing/2010/main" xmlns="">
                 <a:effectLst>
                   <a:outerShdw dist="35921" dir="2700000" algn="ctr" rotWithShape="0">
                     <a:schemeClr val="bg2"/>
@@ -39149,7 +39149,7 @@
           </a:ln>
           <a:extLst>
             <a:ext uri="{AF507438-7753-43e0-B8FC-AC1667EBCBE1}">
-              <a14:hiddenEffects xmlns:a14="http://schemas.microsoft.com/office/drawing/2010/main" xmlns="">
+              <a14:hiddenEffects xmlns="" xmlns:a14="http://schemas.microsoft.com/office/drawing/2010/main">
                 <a:effectLst>
                   <a:outerShdw dist="35921" dir="2700000" algn="ctr" rotWithShape="0">
                     <a:schemeClr val="bg2"/>
@@ -39202,7 +39202,7 @@
           </a:ln>
           <a:extLst>
             <a:ext uri="{AF507438-7753-43e0-B8FC-AC1667EBCBE1}">
-              <a14:hiddenEffects xmlns="" xmlns:a14="http://schemas.microsoft.com/office/drawing/2010/main">
+              <a14:hiddenEffects xmlns:a14="http://schemas.microsoft.com/office/drawing/2010/main" xmlns="">
                 <a:effectLst>
                   <a:outerShdw dist="35921" dir="2700000" algn="ctr" rotWithShape="0">
                     <a:schemeClr val="bg2"/>
@@ -40678,14 +40678,14 @@
           <a:effectLst/>
           <a:extLst>
             <a:ext uri="{909E8E84-426E-40dd-AFC4-6F175D3DCCD1}">
-              <a14:hiddenFill xmlns:a14="http://schemas.microsoft.com/office/drawing/2010/main" xmlns="">
+              <a14:hiddenFill xmlns="" xmlns:a14="http://schemas.microsoft.com/office/drawing/2010/main">
                 <a:solidFill>
                   <a:schemeClr val="accent1"/>
                 </a:solidFill>
               </a14:hiddenFill>
             </a:ext>
             <a:ext uri="{91240B29-F687-4f45-9708-019B960494DF}">
-              <a14:hiddenLine xmlns:a14="http://schemas.microsoft.com/office/drawing/2010/main" xmlns="" w="9525">
+              <a14:hiddenLine xmlns="" xmlns:a14="http://schemas.microsoft.com/office/drawing/2010/main" w="9525">
                 <a:solidFill>
                   <a:schemeClr val="tx1"/>
                 </a:solidFill>
@@ -40695,7 +40695,7 @@
               </a14:hiddenLine>
             </a:ext>
             <a:ext uri="{AF507438-7753-43e0-B8FC-AC1667EBCBE1}">
-              <a14:hiddenEffects xmlns:a14="http://schemas.microsoft.com/office/drawing/2010/main" xmlns="">
+              <a14:hiddenEffects xmlns="" xmlns:a14="http://schemas.microsoft.com/office/drawing/2010/main">
                 <a:effectLst>
                   <a:outerShdw dist="35921" dir="2700000" algn="ctr" rotWithShape="0">
                     <a:schemeClr val="bg2"/>
@@ -41225,7 +41225,7 @@
         <a:effectLst/>
         <a:extLst>
           <a:ext uri="{AF507438-7753-43e0-B8FC-AC1667EBCBE1}">
-            <a14:hiddenEffects xmlns="" xmlns:a14="http://schemas.microsoft.com/office/drawing/2010/main">
+            <a14:hiddenEffects xmlns:a14="http://schemas.microsoft.com/office/drawing/2010/main" xmlns="">
               <a:effectLst>
                 <a:outerShdw dist="35921" dir="2700000" algn="ctr" rotWithShape="0">
                   <a:schemeClr val="bg2"/>
@@ -41298,7 +41298,7 @@
         <a:effectLst/>
         <a:extLst>
           <a:ext uri="{AF507438-7753-43e0-B8FC-AC1667EBCBE1}">
-            <a14:hiddenEffects xmlns="" xmlns:a14="http://schemas.microsoft.com/office/drawing/2010/main">
+            <a14:hiddenEffects xmlns:a14="http://schemas.microsoft.com/office/drawing/2010/main" xmlns="">
               <a:effectLst>
                 <a:outerShdw dist="35921" dir="2700000" algn="ctr" rotWithShape="0">
                   <a:schemeClr val="bg2"/>
